--- a/ppt.pptx
+++ b/ppt.pptx
@@ -5,10 +5,10 @@
     <p:sldMasterId id="2147483648" r:id="rId4"/>
   </p:sldMasterIdLst>
   <p:notesMasterIdLst>
-    <p:notesMasterId r:id="rId16"/>
+    <p:notesMasterId r:id="rId19"/>
   </p:notesMasterIdLst>
   <p:handoutMasterIdLst>
-    <p:handoutMasterId r:id="rId17"/>
+    <p:handoutMasterId r:id="rId20"/>
   </p:handoutMasterIdLst>
   <p:sldIdLst>
     <p:sldId id="296" r:id="rId5"/>
@@ -22,6 +22,9 @@
     <p:sldId id="302" r:id="rId13"/>
     <p:sldId id="301" r:id="rId14"/>
     <p:sldId id="303" r:id="rId15"/>
+    <p:sldId id="308" r:id="rId16"/>
+    <p:sldId id="310" r:id="rId17"/>
+    <p:sldId id="309" r:id="rId18"/>
   </p:sldIdLst>
   <p:sldSz cx="12192000" cy="6858000"/>
   <p:notesSz cx="6858000" cy="9144000"/>
@@ -225,7 +228,7 @@
           <a:p>
             <a:fld id="{3C02328F-004D-4D3A-9F80-6B7A705D1367}" type="datetimeFigureOut">
               <a:rPr kumimoji="1" lang="ja-JP" altLang="en-US" smtClean="0"/>
-              <a:t>2023/10/25</a:t>
+              <a:t>2023/11/2</a:t>
             </a:fld>
             <a:endParaRPr kumimoji="1" lang="ja-JP" altLang="en-US"/>
           </a:p>
@@ -402,7 +405,7 @@
           <a:p>
             <a:fld id="{1B00887C-0EF1-4AC1-9E9B-79863B12620D}" type="datetimeFigureOut">
               <a:rPr kumimoji="1" lang="ja-JP" altLang="en-US" smtClean="0"/>
-              <a:t>2023/10/25</a:t>
+              <a:t>2023/11/2</a:t>
             </a:fld>
             <a:endParaRPr kumimoji="1" lang="ja-JP" altLang="en-US"/>
           </a:p>
@@ -1556,7 +1559,7 @@
           <a:p>
             <a:fld id="{B7BAF030-86AC-4BA0-B9C6-3243C593BCFC}" type="datetimeFigureOut">
               <a:rPr kumimoji="1" lang="ja-JP" altLang="en-US" smtClean="0"/>
-              <a:t>2023/10/25</a:t>
+              <a:t>2023/11/2</a:t>
             </a:fld>
             <a:endParaRPr kumimoji="1" lang="ja-JP" altLang="en-US"/>
           </a:p>
@@ -4306,6 +4309,2765 @@
 </p:sld>
 </file>
 
+<file path=ppt/slides/slide12.xml><?xml version="1.0" encoding="utf-8"?>
+<p:sld xmlns:a="http://schemas.openxmlformats.org/drawingml/2006/main" xmlns:r="http://schemas.openxmlformats.org/officeDocument/2006/relationships" xmlns:p="http://schemas.openxmlformats.org/presentationml/2006/main">
+  <p:cSld>
+    <p:spTree>
+      <p:nvGrpSpPr>
+        <p:cNvPr id="1" name=""/>
+        <p:cNvGrpSpPr/>
+        <p:nvPr/>
+      </p:nvGrpSpPr>
+      <p:grpSpPr>
+        <a:xfrm>
+          <a:off x="0" y="0"/>
+          <a:ext cx="0" cy="0"/>
+          <a:chOff x="0" y="0"/>
+          <a:chExt cx="0" cy="0"/>
+        </a:xfrm>
+      </p:grpSpPr>
+      <p:sp>
+        <p:nvSpPr>
+          <p:cNvPr id="4" name="テキスト プレースホルダー 3">
+            <a:extLst>
+              <a:ext uri="{FF2B5EF4-FFF2-40B4-BE49-F238E27FC236}">
+                <a16:creationId xmlns:a16="http://schemas.microsoft.com/office/drawing/2014/main" id="{4FBA622E-F114-79BE-262C-6D9D324CF372}"/>
+              </a:ext>
+            </a:extLst>
+          </p:cNvPr>
+          <p:cNvSpPr>
+            <a:spLocks noGrp="1"/>
+          </p:cNvSpPr>
+          <p:nvPr>
+            <p:ph type="body" sz="quarter" idx="11"/>
+          </p:nvPr>
+        </p:nvSpPr>
+        <p:spPr/>
+        <p:txBody>
+          <a:bodyPr>
+            <a:normAutofit fontScale="92500" lnSpcReduction="20000"/>
+          </a:bodyPr>
+          <a:lstStyle/>
+          <a:p>
+            <a:endParaRPr kumimoji="1" lang="ja-JP" altLang="en-US"/>
+          </a:p>
+        </p:txBody>
+      </p:sp>
+      <p:grpSp>
+        <p:nvGrpSpPr>
+          <p:cNvPr id="33" name="グループ化 32">
+            <a:extLst>
+              <a:ext uri="{FF2B5EF4-FFF2-40B4-BE49-F238E27FC236}">
+                <a16:creationId xmlns:a16="http://schemas.microsoft.com/office/drawing/2014/main" id="{7C2CF70E-FCAD-C43F-6494-E0E8A9308E68}"/>
+              </a:ext>
+            </a:extLst>
+          </p:cNvPr>
+          <p:cNvGrpSpPr/>
+          <p:nvPr/>
+        </p:nvGrpSpPr>
+        <p:grpSpPr>
+          <a:xfrm>
+            <a:off x="1168399" y="2396067"/>
+            <a:ext cx="10236201" cy="3666058"/>
+            <a:chOff x="1168399" y="2396067"/>
+            <a:chExt cx="10236201" cy="3666058"/>
+          </a:xfrm>
+        </p:grpSpPr>
+        <p:sp>
+          <p:nvSpPr>
+            <p:cNvPr id="5" name="大かっこ 4">
+              <a:extLst>
+                <a:ext uri="{FF2B5EF4-FFF2-40B4-BE49-F238E27FC236}">
+                  <a16:creationId xmlns:a16="http://schemas.microsoft.com/office/drawing/2014/main" id="{3732E731-C8A3-4A86-9DEB-3F282E0B2FCD}"/>
+                </a:ext>
+              </a:extLst>
+            </p:cNvPr>
+            <p:cNvSpPr/>
+            <p:nvPr/>
+          </p:nvSpPr>
+          <p:spPr>
+            <a:xfrm>
+              <a:off x="1168399" y="2641601"/>
+              <a:ext cx="1710267" cy="1710267"/>
+            </a:xfrm>
+            <a:prstGeom prst="bracketPair">
+              <a:avLst/>
+            </a:prstGeom>
+            <a:ln w="28575"/>
+          </p:spPr>
+          <p:style>
+            <a:lnRef idx="1">
+              <a:schemeClr val="dk1"/>
+            </a:lnRef>
+            <a:fillRef idx="0">
+              <a:schemeClr val="dk1"/>
+            </a:fillRef>
+            <a:effectRef idx="0">
+              <a:schemeClr val="dk1"/>
+            </a:effectRef>
+            <a:fontRef idx="minor">
+              <a:schemeClr val="tx1"/>
+            </a:fontRef>
+          </p:style>
+          <p:txBody>
+            <a:bodyPr rtlCol="0" anchor="ctr"/>
+            <a:lstStyle/>
+            <a:p>
+              <a:pPr algn="ctr"/>
+              <a:endParaRPr kumimoji="1" lang="ja-JP" altLang="en-US"/>
+            </a:p>
+          </p:txBody>
+        </p:sp>
+        <p:sp>
+          <p:nvSpPr>
+            <p:cNvPr id="6" name="テキスト ボックス 5">
+              <a:extLst>
+                <a:ext uri="{FF2B5EF4-FFF2-40B4-BE49-F238E27FC236}">
+                  <a16:creationId xmlns:a16="http://schemas.microsoft.com/office/drawing/2014/main" id="{4A575567-37DB-CFE2-E659-153575B2D246}"/>
+                </a:ext>
+              </a:extLst>
+            </p:cNvPr>
+            <p:cNvSpPr txBox="1"/>
+            <p:nvPr/>
+          </p:nvSpPr>
+          <p:spPr>
+            <a:xfrm>
+              <a:off x="1743422" y="2929752"/>
+              <a:ext cx="560218" cy="369332"/>
+            </a:xfrm>
+            <a:prstGeom prst="rect">
+              <a:avLst/>
+            </a:prstGeom>
+            <a:noFill/>
+          </p:spPr>
+          <p:txBody>
+            <a:bodyPr wrap="none" rtlCol="0">
+              <a:spAutoFit/>
+            </a:bodyPr>
+            <a:lstStyle/>
+            <a:p>
+              <a:r>
+                <a:rPr kumimoji="1" lang="en-US" altLang="ja-JP" dirty="0"/>
+                <a:t>you</a:t>
+              </a:r>
+              <a:endParaRPr kumimoji="1" lang="ja-JP" altLang="en-US"/>
+            </a:p>
+          </p:txBody>
+        </p:sp>
+        <p:sp>
+          <p:nvSpPr>
+            <p:cNvPr id="7" name="テキスト ボックス 6">
+              <a:extLst>
+                <a:ext uri="{FF2B5EF4-FFF2-40B4-BE49-F238E27FC236}">
+                  <a16:creationId xmlns:a16="http://schemas.microsoft.com/office/drawing/2014/main" id="{3EC4D4F4-2563-5B95-83B7-E04B33DB3062}"/>
+                </a:ext>
+              </a:extLst>
+            </p:cNvPr>
+            <p:cNvSpPr txBox="1"/>
+            <p:nvPr/>
+          </p:nvSpPr>
+          <p:spPr>
+            <a:xfrm>
+              <a:off x="1476522" y="3640810"/>
+              <a:ext cx="1094017" cy="369332"/>
+            </a:xfrm>
+            <a:prstGeom prst="rect">
+              <a:avLst/>
+            </a:prstGeom>
+            <a:noFill/>
+          </p:spPr>
+          <p:txBody>
+            <a:bodyPr wrap="none" rtlCol="0">
+              <a:spAutoFit/>
+            </a:bodyPr>
+            <a:lstStyle/>
+            <a:p>
+              <a:r>
+                <a:rPr kumimoji="1" lang="en-US" altLang="ja-JP" dirty="0"/>
+                <a:t>goodbye</a:t>
+              </a:r>
+              <a:endParaRPr kumimoji="1" lang="ja-JP" altLang="en-US"/>
+            </a:p>
+          </p:txBody>
+        </p:sp>
+        <p:cxnSp>
+          <p:nvCxnSpPr>
+            <p:cNvPr id="9" name="直線矢印コネクタ 8">
+              <a:extLst>
+                <a:ext uri="{FF2B5EF4-FFF2-40B4-BE49-F238E27FC236}">
+                  <a16:creationId xmlns:a16="http://schemas.microsoft.com/office/drawing/2014/main" id="{7E893E43-7E14-1032-5496-7ADC4FBB2058}"/>
+                </a:ext>
+              </a:extLst>
+            </p:cNvPr>
+            <p:cNvCxnSpPr/>
+            <p:nvPr/>
+          </p:nvCxnSpPr>
+          <p:spPr>
+            <a:xfrm>
+              <a:off x="3234267" y="3479800"/>
+              <a:ext cx="1049866" cy="0"/>
+            </a:xfrm>
+            <a:prstGeom prst="straightConnector1">
+              <a:avLst/>
+            </a:prstGeom>
+            <a:ln w="19050">
+              <a:tailEnd type="triangle"/>
+            </a:ln>
+          </p:spPr>
+          <p:style>
+            <a:lnRef idx="1">
+              <a:schemeClr val="dk1"/>
+            </a:lnRef>
+            <a:fillRef idx="0">
+              <a:schemeClr val="dk1"/>
+            </a:fillRef>
+            <a:effectRef idx="0">
+              <a:schemeClr val="dk1"/>
+            </a:effectRef>
+            <a:fontRef idx="minor">
+              <a:schemeClr val="tx1"/>
+            </a:fontRef>
+          </p:style>
+        </p:cxnSp>
+        <p:sp>
+          <p:nvSpPr>
+            <p:cNvPr id="10" name="角丸四角形 9">
+              <a:extLst>
+                <a:ext uri="{FF2B5EF4-FFF2-40B4-BE49-F238E27FC236}">
+                  <a16:creationId xmlns:a16="http://schemas.microsoft.com/office/drawing/2014/main" id="{F4422BD7-725E-FCBD-B2BF-BA9C157AD9CF}"/>
+                </a:ext>
+              </a:extLst>
+            </p:cNvPr>
+            <p:cNvSpPr/>
+            <p:nvPr/>
+          </p:nvSpPr>
+          <p:spPr>
+            <a:xfrm>
+              <a:off x="4512733" y="3191933"/>
+              <a:ext cx="1820334" cy="633543"/>
+            </a:xfrm>
+            <a:prstGeom prst="roundRect">
+              <a:avLst/>
+            </a:prstGeom>
+            <a:noFill/>
+            <a:ln w="28575">
+              <a:solidFill>
+                <a:schemeClr val="bg1">
+                  <a:lumMod val="10000"/>
+                </a:schemeClr>
+              </a:solidFill>
+            </a:ln>
+          </p:spPr>
+          <p:style>
+            <a:lnRef idx="2">
+              <a:schemeClr val="accent1">
+                <a:shade val="15000"/>
+              </a:schemeClr>
+            </a:lnRef>
+            <a:fillRef idx="1">
+              <a:schemeClr val="accent1"/>
+            </a:fillRef>
+            <a:effectRef idx="0">
+              <a:schemeClr val="accent1"/>
+            </a:effectRef>
+            <a:fontRef idx="minor">
+              <a:schemeClr val="lt1"/>
+            </a:fontRef>
+          </p:style>
+          <p:txBody>
+            <a:bodyPr rtlCol="0" anchor="ctr"/>
+            <a:lstStyle/>
+            <a:p>
+              <a:pPr algn="ctr"/>
+              <a:endParaRPr kumimoji="1" lang="ja-JP" altLang="en-US"/>
+            </a:p>
+          </p:txBody>
+        </p:sp>
+        <p:sp>
+          <p:nvSpPr>
+            <p:cNvPr id="11" name="テキスト ボックス 10">
+              <a:extLst>
+                <a:ext uri="{FF2B5EF4-FFF2-40B4-BE49-F238E27FC236}">
+                  <a16:creationId xmlns:a16="http://schemas.microsoft.com/office/drawing/2014/main" id="{196DFFA5-692B-1964-DC07-A0F4D9DB98BF}"/>
+                </a:ext>
+              </a:extLst>
+            </p:cNvPr>
+            <p:cNvSpPr txBox="1"/>
+            <p:nvPr/>
+          </p:nvSpPr>
+          <p:spPr>
+            <a:xfrm>
+              <a:off x="4984318" y="3324038"/>
+              <a:ext cx="877163" cy="369332"/>
+            </a:xfrm>
+            <a:prstGeom prst="rect">
+              <a:avLst/>
+            </a:prstGeom>
+            <a:noFill/>
+          </p:spPr>
+          <p:txBody>
+            <a:bodyPr wrap="none" rtlCol="0">
+              <a:spAutoFit/>
+            </a:bodyPr>
+            <a:lstStyle/>
+            <a:p>
+              <a:r>
+                <a:rPr kumimoji="1" lang="ja-JP" altLang="en-US"/>
+                <a:t>モデル</a:t>
+              </a:r>
+            </a:p>
+          </p:txBody>
+        </p:sp>
+        <p:cxnSp>
+          <p:nvCxnSpPr>
+            <p:cNvPr id="12" name="直線矢印コネクタ 11">
+              <a:extLst>
+                <a:ext uri="{FF2B5EF4-FFF2-40B4-BE49-F238E27FC236}">
+                  <a16:creationId xmlns:a16="http://schemas.microsoft.com/office/drawing/2014/main" id="{CA567459-D6CD-0AFD-640B-64B2594F5044}"/>
+                </a:ext>
+              </a:extLst>
+            </p:cNvPr>
+            <p:cNvCxnSpPr/>
+            <p:nvPr/>
+          </p:nvCxnSpPr>
+          <p:spPr>
+            <a:xfrm>
+              <a:off x="6570133" y="3479800"/>
+              <a:ext cx="1049866" cy="0"/>
+            </a:xfrm>
+            <a:prstGeom prst="straightConnector1">
+              <a:avLst/>
+            </a:prstGeom>
+            <a:ln w="19050">
+              <a:tailEnd type="triangle"/>
+            </a:ln>
+          </p:spPr>
+          <p:style>
+            <a:lnRef idx="1">
+              <a:schemeClr val="dk1"/>
+            </a:lnRef>
+            <a:fillRef idx="0">
+              <a:schemeClr val="dk1"/>
+            </a:fillRef>
+            <a:effectRef idx="0">
+              <a:schemeClr val="dk1"/>
+            </a:effectRef>
+            <a:fontRef idx="minor">
+              <a:schemeClr val="tx1"/>
+            </a:fontRef>
+          </p:style>
+        </p:cxnSp>
+        <p:cxnSp>
+          <p:nvCxnSpPr>
+            <p:cNvPr id="13" name="Google Shape;6034;p58">
+              <a:extLst>
+                <a:ext uri="{FF2B5EF4-FFF2-40B4-BE49-F238E27FC236}">
+                  <a16:creationId xmlns:a16="http://schemas.microsoft.com/office/drawing/2014/main" id="{65BFD4EF-3622-57AC-2D2C-E9D60A298C82}"/>
+                </a:ext>
+              </a:extLst>
+            </p:cNvPr>
+            <p:cNvCxnSpPr>
+              <a:cxnSpLocks/>
+            </p:cNvCxnSpPr>
+            <p:nvPr/>
+          </p:nvCxnSpPr>
+          <p:spPr>
+            <a:xfrm flipH="1">
+              <a:off x="8122278" y="4258000"/>
+              <a:ext cx="3282322" cy="0"/>
+            </a:xfrm>
+            <a:prstGeom prst="straightConnector1">
+              <a:avLst/>
+            </a:prstGeom>
+            <a:noFill/>
+            <a:ln w="9525" cap="flat" cmpd="sng">
+              <a:solidFill>
+                <a:schemeClr val="dk2"/>
+              </a:solidFill>
+              <a:prstDash val="solid"/>
+              <a:round/>
+              <a:headEnd type="stealth" w="med" len="med"/>
+              <a:tailEnd type="none" w="med" len="med"/>
+            </a:ln>
+          </p:spPr>
+        </p:cxnSp>
+        <p:cxnSp>
+          <p:nvCxnSpPr>
+            <p:cNvPr id="14" name="Google Shape;6035;p58">
+              <a:extLst>
+                <a:ext uri="{FF2B5EF4-FFF2-40B4-BE49-F238E27FC236}">
+                  <a16:creationId xmlns:a16="http://schemas.microsoft.com/office/drawing/2014/main" id="{33BFCD46-4758-74D4-E3B1-04EF6E072AD0}"/>
+                </a:ext>
+              </a:extLst>
+            </p:cNvPr>
+            <p:cNvCxnSpPr>
+              <a:cxnSpLocks/>
+            </p:cNvCxnSpPr>
+            <p:nvPr/>
+          </p:nvCxnSpPr>
+          <p:spPr>
+            <a:xfrm flipV="1">
+              <a:off x="8126622" y="2396067"/>
+              <a:ext cx="0" cy="1861869"/>
+            </a:xfrm>
+            <a:prstGeom prst="straightConnector1">
+              <a:avLst/>
+            </a:prstGeom>
+            <a:noFill/>
+            <a:ln w="9525" cap="flat" cmpd="sng">
+              <a:solidFill>
+                <a:schemeClr val="dk2"/>
+              </a:solidFill>
+              <a:prstDash val="solid"/>
+              <a:round/>
+              <a:headEnd type="none" w="med" len="med"/>
+              <a:tailEnd type="stealth" w="med" len="med"/>
+            </a:ln>
+          </p:spPr>
+        </p:cxnSp>
+        <p:sp>
+          <p:nvSpPr>
+            <p:cNvPr id="19" name="正方形/長方形 18">
+              <a:extLst>
+                <a:ext uri="{FF2B5EF4-FFF2-40B4-BE49-F238E27FC236}">
+                  <a16:creationId xmlns:a16="http://schemas.microsoft.com/office/drawing/2014/main" id="{5450319E-8CD4-688D-C5F8-F268A3CA5DDD}"/>
+                </a:ext>
+              </a:extLst>
+            </p:cNvPr>
+            <p:cNvSpPr/>
+            <p:nvPr/>
+          </p:nvSpPr>
+          <p:spPr>
+            <a:xfrm>
+              <a:off x="8258545" y="4072469"/>
+              <a:ext cx="304800" cy="185466"/>
+            </a:xfrm>
+            <a:prstGeom prst="rect">
+              <a:avLst/>
+            </a:prstGeom>
+            <a:solidFill>
+              <a:schemeClr val="bg2"/>
+            </a:solidFill>
+          </p:spPr>
+          <p:style>
+            <a:lnRef idx="2">
+              <a:schemeClr val="accent1">
+                <a:shade val="15000"/>
+              </a:schemeClr>
+            </a:lnRef>
+            <a:fillRef idx="1">
+              <a:schemeClr val="accent1"/>
+            </a:fillRef>
+            <a:effectRef idx="0">
+              <a:schemeClr val="accent1"/>
+            </a:effectRef>
+            <a:fontRef idx="minor">
+              <a:schemeClr val="lt1"/>
+            </a:fontRef>
+          </p:style>
+          <p:txBody>
+            <a:bodyPr rtlCol="0" anchor="ctr"/>
+            <a:lstStyle/>
+            <a:p>
+              <a:pPr algn="ctr"/>
+              <a:endParaRPr kumimoji="1" lang="ja-JP" altLang="en-US"/>
+            </a:p>
+          </p:txBody>
+        </p:sp>
+        <p:sp>
+          <p:nvSpPr>
+            <p:cNvPr id="20" name="正方形/長方形 19">
+              <a:extLst>
+                <a:ext uri="{FF2B5EF4-FFF2-40B4-BE49-F238E27FC236}">
+                  <a16:creationId xmlns:a16="http://schemas.microsoft.com/office/drawing/2014/main" id="{7874A44D-FF68-553E-B2F5-7BB51F2AB2F1}"/>
+                </a:ext>
+              </a:extLst>
+            </p:cNvPr>
+            <p:cNvSpPr/>
+            <p:nvPr/>
+          </p:nvSpPr>
+          <p:spPr>
+            <a:xfrm>
+              <a:off x="8801789" y="2802476"/>
+              <a:ext cx="304800" cy="1455459"/>
+            </a:xfrm>
+            <a:prstGeom prst="rect">
+              <a:avLst/>
+            </a:prstGeom>
+            <a:solidFill>
+              <a:schemeClr val="bg2"/>
+            </a:solidFill>
+          </p:spPr>
+          <p:style>
+            <a:lnRef idx="2">
+              <a:schemeClr val="accent1">
+                <a:shade val="15000"/>
+              </a:schemeClr>
+            </a:lnRef>
+            <a:fillRef idx="1">
+              <a:schemeClr val="accent1"/>
+            </a:fillRef>
+            <a:effectRef idx="0">
+              <a:schemeClr val="accent1"/>
+            </a:effectRef>
+            <a:fontRef idx="minor">
+              <a:schemeClr val="lt1"/>
+            </a:fontRef>
+          </p:style>
+          <p:txBody>
+            <a:bodyPr rtlCol="0" anchor="ctr"/>
+            <a:lstStyle/>
+            <a:p>
+              <a:pPr algn="ctr"/>
+              <a:endParaRPr kumimoji="1" lang="ja-JP" altLang="en-US"/>
+            </a:p>
+          </p:txBody>
+        </p:sp>
+        <p:sp>
+          <p:nvSpPr>
+            <p:cNvPr id="21" name="正方形/長方形 20">
+              <a:extLst>
+                <a:ext uri="{FF2B5EF4-FFF2-40B4-BE49-F238E27FC236}">
+                  <a16:creationId xmlns:a16="http://schemas.microsoft.com/office/drawing/2014/main" id="{BEA0A553-F5D6-70E9-19BB-100E8DBA2976}"/>
+                </a:ext>
+              </a:extLst>
+            </p:cNvPr>
+            <p:cNvSpPr/>
+            <p:nvPr/>
+          </p:nvSpPr>
+          <p:spPr>
+            <a:xfrm>
+              <a:off x="9345033" y="4140206"/>
+              <a:ext cx="304800" cy="117729"/>
+            </a:xfrm>
+            <a:prstGeom prst="rect">
+              <a:avLst/>
+            </a:prstGeom>
+            <a:solidFill>
+              <a:schemeClr val="bg2"/>
+            </a:solidFill>
+          </p:spPr>
+          <p:style>
+            <a:lnRef idx="2">
+              <a:schemeClr val="accent1">
+                <a:shade val="15000"/>
+              </a:schemeClr>
+            </a:lnRef>
+            <a:fillRef idx="1">
+              <a:schemeClr val="accent1"/>
+            </a:fillRef>
+            <a:effectRef idx="0">
+              <a:schemeClr val="accent1"/>
+            </a:effectRef>
+            <a:fontRef idx="minor">
+              <a:schemeClr val="lt1"/>
+            </a:fontRef>
+          </p:style>
+          <p:txBody>
+            <a:bodyPr rtlCol="0" anchor="ctr"/>
+            <a:lstStyle/>
+            <a:p>
+              <a:pPr algn="ctr"/>
+              <a:endParaRPr kumimoji="1" lang="ja-JP" altLang="en-US"/>
+            </a:p>
+          </p:txBody>
+        </p:sp>
+        <p:sp>
+          <p:nvSpPr>
+            <p:cNvPr id="22" name="正方形/長方形 21">
+              <a:extLst>
+                <a:ext uri="{FF2B5EF4-FFF2-40B4-BE49-F238E27FC236}">
+                  <a16:creationId xmlns:a16="http://schemas.microsoft.com/office/drawing/2014/main" id="{6175526F-FBF4-2F8E-9E0B-264A0D30152C}"/>
+                </a:ext>
+              </a:extLst>
+            </p:cNvPr>
+            <p:cNvSpPr/>
+            <p:nvPr/>
+          </p:nvSpPr>
+          <p:spPr>
+            <a:xfrm>
+              <a:off x="9888277" y="3945477"/>
+              <a:ext cx="304800" cy="312458"/>
+            </a:xfrm>
+            <a:prstGeom prst="rect">
+              <a:avLst/>
+            </a:prstGeom>
+            <a:solidFill>
+              <a:schemeClr val="bg2"/>
+            </a:solidFill>
+          </p:spPr>
+          <p:style>
+            <a:lnRef idx="2">
+              <a:schemeClr val="accent1">
+                <a:shade val="15000"/>
+              </a:schemeClr>
+            </a:lnRef>
+            <a:fillRef idx="1">
+              <a:schemeClr val="accent1"/>
+            </a:fillRef>
+            <a:effectRef idx="0">
+              <a:schemeClr val="accent1"/>
+            </a:effectRef>
+            <a:fontRef idx="minor">
+              <a:schemeClr val="lt1"/>
+            </a:fontRef>
+          </p:style>
+          <p:txBody>
+            <a:bodyPr rtlCol="0" anchor="ctr"/>
+            <a:lstStyle/>
+            <a:p>
+              <a:pPr algn="ctr"/>
+              <a:endParaRPr kumimoji="1" lang="ja-JP" altLang="en-US"/>
+            </a:p>
+          </p:txBody>
+        </p:sp>
+        <p:sp>
+          <p:nvSpPr>
+            <p:cNvPr id="23" name="正方形/長方形 22">
+              <a:extLst>
+                <a:ext uri="{FF2B5EF4-FFF2-40B4-BE49-F238E27FC236}">
+                  <a16:creationId xmlns:a16="http://schemas.microsoft.com/office/drawing/2014/main" id="{BC0AE607-B959-3D83-19A6-968D6E0D35EA}"/>
+                </a:ext>
+              </a:extLst>
+            </p:cNvPr>
+            <p:cNvSpPr/>
+            <p:nvPr/>
+          </p:nvSpPr>
+          <p:spPr>
+            <a:xfrm>
+              <a:off x="10412916" y="4072469"/>
+              <a:ext cx="304800" cy="185466"/>
+            </a:xfrm>
+            <a:prstGeom prst="rect">
+              <a:avLst/>
+            </a:prstGeom>
+            <a:solidFill>
+              <a:schemeClr val="bg2"/>
+            </a:solidFill>
+          </p:spPr>
+          <p:style>
+            <a:lnRef idx="2">
+              <a:schemeClr val="accent1">
+                <a:shade val="15000"/>
+              </a:schemeClr>
+            </a:lnRef>
+            <a:fillRef idx="1">
+              <a:schemeClr val="accent1"/>
+            </a:fillRef>
+            <a:effectRef idx="0">
+              <a:schemeClr val="accent1"/>
+            </a:effectRef>
+            <a:fontRef idx="minor">
+              <a:schemeClr val="lt1"/>
+            </a:fontRef>
+          </p:style>
+          <p:txBody>
+            <a:bodyPr rtlCol="0" anchor="ctr"/>
+            <a:lstStyle/>
+            <a:p>
+              <a:pPr algn="ctr"/>
+              <a:endParaRPr kumimoji="1" lang="ja-JP" altLang="en-US"/>
+            </a:p>
+          </p:txBody>
+        </p:sp>
+        <p:sp>
+          <p:nvSpPr>
+            <p:cNvPr id="24" name="正方形/長方形 23">
+              <a:extLst>
+                <a:ext uri="{FF2B5EF4-FFF2-40B4-BE49-F238E27FC236}">
+                  <a16:creationId xmlns:a16="http://schemas.microsoft.com/office/drawing/2014/main" id="{FE1D905F-E9F0-99AF-1A92-0B2BE5C0883F}"/>
+                </a:ext>
+              </a:extLst>
+            </p:cNvPr>
+            <p:cNvSpPr/>
+            <p:nvPr/>
+          </p:nvSpPr>
+          <p:spPr>
+            <a:xfrm>
+              <a:off x="10871201" y="4140205"/>
+              <a:ext cx="304800" cy="117729"/>
+            </a:xfrm>
+            <a:prstGeom prst="rect">
+              <a:avLst/>
+            </a:prstGeom>
+            <a:solidFill>
+              <a:schemeClr val="bg2"/>
+            </a:solidFill>
+          </p:spPr>
+          <p:style>
+            <a:lnRef idx="2">
+              <a:schemeClr val="accent1">
+                <a:shade val="15000"/>
+              </a:schemeClr>
+            </a:lnRef>
+            <a:fillRef idx="1">
+              <a:schemeClr val="accent1"/>
+            </a:fillRef>
+            <a:effectRef idx="0">
+              <a:schemeClr val="accent1"/>
+            </a:effectRef>
+            <a:fontRef idx="minor">
+              <a:schemeClr val="lt1"/>
+            </a:fontRef>
+          </p:style>
+          <p:txBody>
+            <a:bodyPr rtlCol="0" anchor="ctr"/>
+            <a:lstStyle/>
+            <a:p>
+              <a:pPr algn="ctr"/>
+              <a:endParaRPr kumimoji="1" lang="ja-JP" altLang="en-US"/>
+            </a:p>
+          </p:txBody>
+        </p:sp>
+        <p:sp>
+          <p:nvSpPr>
+            <p:cNvPr id="25" name="テキスト ボックス 24">
+              <a:extLst>
+                <a:ext uri="{FF2B5EF4-FFF2-40B4-BE49-F238E27FC236}">
+                  <a16:creationId xmlns:a16="http://schemas.microsoft.com/office/drawing/2014/main" id="{177779E1-DEA4-F5E3-2726-48C1171EE48C}"/>
+                </a:ext>
+              </a:extLst>
+            </p:cNvPr>
+            <p:cNvSpPr txBox="1"/>
+            <p:nvPr/>
+          </p:nvSpPr>
+          <p:spPr>
+            <a:xfrm>
+              <a:off x="8180112" y="4351868"/>
+              <a:ext cx="461665" cy="551133"/>
+            </a:xfrm>
+            <a:prstGeom prst="rect">
+              <a:avLst/>
+            </a:prstGeom>
+            <a:noFill/>
+          </p:spPr>
+          <p:txBody>
+            <a:bodyPr vert="eaVert" wrap="square" rtlCol="0">
+              <a:spAutoFit/>
+            </a:bodyPr>
+            <a:lstStyle/>
+            <a:p>
+              <a:r>
+                <a:rPr lang="en-US" altLang="ja-JP" dirty="0"/>
+                <a:t>you</a:t>
+              </a:r>
+              <a:endParaRPr kumimoji="1" lang="ja-JP" altLang="en-US"/>
+            </a:p>
+          </p:txBody>
+        </p:sp>
+        <p:sp>
+          <p:nvSpPr>
+            <p:cNvPr id="26" name="テキスト ボックス 25">
+              <a:extLst>
+                <a:ext uri="{FF2B5EF4-FFF2-40B4-BE49-F238E27FC236}">
+                  <a16:creationId xmlns:a16="http://schemas.microsoft.com/office/drawing/2014/main" id="{13161EF5-E54A-44AD-BDA3-8F7952823031}"/>
+                </a:ext>
+              </a:extLst>
+            </p:cNvPr>
+            <p:cNvSpPr txBox="1"/>
+            <p:nvPr/>
+          </p:nvSpPr>
+          <p:spPr>
+            <a:xfrm>
+              <a:off x="8801789" y="4351867"/>
+              <a:ext cx="461665" cy="551133"/>
+            </a:xfrm>
+            <a:prstGeom prst="rect">
+              <a:avLst/>
+            </a:prstGeom>
+            <a:noFill/>
+          </p:spPr>
+          <p:txBody>
+            <a:bodyPr vert="eaVert" wrap="square" rtlCol="0">
+              <a:spAutoFit/>
+            </a:bodyPr>
+            <a:lstStyle/>
+            <a:p>
+              <a:r>
+                <a:rPr lang="en-US" altLang="ja-JP" dirty="0"/>
+                <a:t>say</a:t>
+              </a:r>
+              <a:endParaRPr kumimoji="1" lang="ja-JP" altLang="en-US"/>
+            </a:p>
+          </p:txBody>
+        </p:sp>
+        <p:sp>
+          <p:nvSpPr>
+            <p:cNvPr id="27" name="テキスト ボックス 26">
+              <a:extLst>
+                <a:ext uri="{FF2B5EF4-FFF2-40B4-BE49-F238E27FC236}">
+                  <a16:creationId xmlns:a16="http://schemas.microsoft.com/office/drawing/2014/main" id="{7959BF88-CA5C-B235-E324-538ECBE2C4D5}"/>
+                </a:ext>
+              </a:extLst>
+            </p:cNvPr>
+            <p:cNvSpPr txBox="1"/>
+            <p:nvPr/>
+          </p:nvSpPr>
+          <p:spPr>
+            <a:xfrm>
+              <a:off x="8700254" y="4351866"/>
+              <a:ext cx="1015663" cy="1710259"/>
+            </a:xfrm>
+            <a:prstGeom prst="rect">
+              <a:avLst/>
+            </a:prstGeom>
+            <a:noFill/>
+          </p:spPr>
+          <p:txBody>
+            <a:bodyPr vert="eaVert" wrap="square" rtlCol="0">
+              <a:spAutoFit/>
+            </a:bodyPr>
+            <a:lstStyle/>
+            <a:p>
+              <a:r>
+                <a:rPr lang="en-US" altLang="ja-JP" dirty="0"/>
+                <a:t>goodbye</a:t>
+              </a:r>
+              <a:endParaRPr kumimoji="1" lang="ja-JP" altLang="en-US"/>
+            </a:p>
+          </p:txBody>
+        </p:sp>
+        <p:sp>
+          <p:nvSpPr>
+            <p:cNvPr id="28" name="テキスト ボックス 27">
+              <a:extLst>
+                <a:ext uri="{FF2B5EF4-FFF2-40B4-BE49-F238E27FC236}">
+                  <a16:creationId xmlns:a16="http://schemas.microsoft.com/office/drawing/2014/main" id="{2FD9EDEA-5C49-8F11-6A51-9447E0D9633D}"/>
+                </a:ext>
+              </a:extLst>
+            </p:cNvPr>
+            <p:cNvSpPr txBox="1"/>
+            <p:nvPr/>
+          </p:nvSpPr>
+          <p:spPr>
+            <a:xfrm>
+              <a:off x="9817452" y="4351867"/>
+              <a:ext cx="461665" cy="551133"/>
+            </a:xfrm>
+            <a:prstGeom prst="rect">
+              <a:avLst/>
+            </a:prstGeom>
+            <a:noFill/>
+          </p:spPr>
+          <p:txBody>
+            <a:bodyPr vert="eaVert" wrap="square" rtlCol="0">
+              <a:spAutoFit/>
+            </a:bodyPr>
+            <a:lstStyle/>
+            <a:p>
+              <a:r>
+                <a:rPr lang="en-US" altLang="ja-JP" dirty="0"/>
+                <a:t>and</a:t>
+              </a:r>
+              <a:endParaRPr kumimoji="1" lang="ja-JP" altLang="en-US"/>
+            </a:p>
+          </p:txBody>
+        </p:sp>
+        <p:sp>
+          <p:nvSpPr>
+            <p:cNvPr id="29" name="テキスト ボックス 28">
+              <a:extLst>
+                <a:ext uri="{FF2B5EF4-FFF2-40B4-BE49-F238E27FC236}">
+                  <a16:creationId xmlns:a16="http://schemas.microsoft.com/office/drawing/2014/main" id="{29CC1027-1BCB-CCFF-AD83-20DC370EF5BF}"/>
+                </a:ext>
+              </a:extLst>
+            </p:cNvPr>
+            <p:cNvSpPr txBox="1"/>
+            <p:nvPr/>
+          </p:nvSpPr>
+          <p:spPr>
+            <a:xfrm>
+              <a:off x="10334483" y="4351867"/>
+              <a:ext cx="461665" cy="551133"/>
+            </a:xfrm>
+            <a:prstGeom prst="rect">
+              <a:avLst/>
+            </a:prstGeom>
+            <a:noFill/>
+          </p:spPr>
+          <p:txBody>
+            <a:bodyPr vert="eaVert" wrap="square" rtlCol="0">
+              <a:spAutoFit/>
+            </a:bodyPr>
+            <a:lstStyle/>
+            <a:p>
+              <a:r>
+                <a:rPr lang="en-US" altLang="ja-JP" dirty="0"/>
+                <a:t>I</a:t>
+              </a:r>
+              <a:endParaRPr kumimoji="1" lang="ja-JP" altLang="en-US"/>
+            </a:p>
+          </p:txBody>
+        </p:sp>
+        <p:sp>
+          <p:nvSpPr>
+            <p:cNvPr id="30" name="テキスト ボックス 29">
+              <a:extLst>
+                <a:ext uri="{FF2B5EF4-FFF2-40B4-BE49-F238E27FC236}">
+                  <a16:creationId xmlns:a16="http://schemas.microsoft.com/office/drawing/2014/main" id="{83731842-B15F-CFF8-AEFD-B0955D3D6077}"/>
+                </a:ext>
+              </a:extLst>
+            </p:cNvPr>
+            <p:cNvSpPr txBox="1"/>
+            <p:nvPr/>
+          </p:nvSpPr>
+          <p:spPr>
+            <a:xfrm>
+              <a:off x="10792768" y="4351867"/>
+              <a:ext cx="461665" cy="770460"/>
+            </a:xfrm>
+            <a:prstGeom prst="rect">
+              <a:avLst/>
+            </a:prstGeom>
+            <a:noFill/>
+          </p:spPr>
+          <p:txBody>
+            <a:bodyPr vert="eaVert" wrap="square" rtlCol="0">
+              <a:spAutoFit/>
+            </a:bodyPr>
+            <a:lstStyle/>
+            <a:p>
+              <a:r>
+                <a:rPr lang="en-US" altLang="ja-JP" dirty="0"/>
+                <a:t>hello</a:t>
+              </a:r>
+              <a:endParaRPr kumimoji="1" lang="ja-JP" altLang="en-US"/>
+            </a:p>
+          </p:txBody>
+        </p:sp>
+        <p:sp>
+          <p:nvSpPr>
+            <p:cNvPr id="32" name="テキスト ボックス 31">
+              <a:extLst>
+                <a:ext uri="{FF2B5EF4-FFF2-40B4-BE49-F238E27FC236}">
+                  <a16:creationId xmlns:a16="http://schemas.microsoft.com/office/drawing/2014/main" id="{576BBF82-70B3-BC1E-D443-75917292F1F0}"/>
+                </a:ext>
+              </a:extLst>
+            </p:cNvPr>
+            <p:cNvSpPr txBox="1"/>
+            <p:nvPr/>
+          </p:nvSpPr>
+          <p:spPr>
+            <a:xfrm>
+              <a:off x="9226487" y="2433144"/>
+              <a:ext cx="1107996" cy="369332"/>
+            </a:xfrm>
+            <a:prstGeom prst="rect">
+              <a:avLst/>
+            </a:prstGeom>
+            <a:noFill/>
+          </p:spPr>
+          <p:txBody>
+            <a:bodyPr wrap="none" rtlCol="0">
+              <a:spAutoFit/>
+            </a:bodyPr>
+            <a:lstStyle/>
+            <a:p>
+              <a:r>
+                <a:rPr kumimoji="1" lang="ja-JP" altLang="en-US"/>
+                <a:t>確率分布</a:t>
+              </a:r>
+            </a:p>
+          </p:txBody>
+        </p:sp>
+      </p:grpSp>
+    </p:spTree>
+    <p:extLst>
+      <p:ext uri="{BB962C8B-B14F-4D97-AF65-F5344CB8AC3E}">
+        <p14:creationId xmlns:p14="http://schemas.microsoft.com/office/powerpoint/2010/main" val="2163743451"/>
+      </p:ext>
+    </p:extLst>
+  </p:cSld>
+  <p:clrMapOvr>
+    <a:masterClrMapping/>
+  </p:clrMapOvr>
+</p:sld>
+</file>
+
+<file path=ppt/slides/slide13.xml><?xml version="1.0" encoding="utf-8"?>
+<p:sld xmlns:a="http://schemas.openxmlformats.org/drawingml/2006/main" xmlns:r="http://schemas.openxmlformats.org/officeDocument/2006/relationships" xmlns:p="http://schemas.openxmlformats.org/presentationml/2006/main">
+  <p:cSld>
+    <p:spTree>
+      <p:nvGrpSpPr>
+        <p:cNvPr id="1" name=""/>
+        <p:cNvGrpSpPr/>
+        <p:nvPr/>
+      </p:nvGrpSpPr>
+      <p:grpSpPr>
+        <a:xfrm>
+          <a:off x="0" y="0"/>
+          <a:ext cx="0" cy="0"/>
+          <a:chOff x="0" y="0"/>
+          <a:chExt cx="0" cy="0"/>
+        </a:xfrm>
+      </p:grpSpPr>
+      <p:sp>
+        <p:nvSpPr>
+          <p:cNvPr id="4" name="テキスト プレースホルダー 3">
+            <a:extLst>
+              <a:ext uri="{FF2B5EF4-FFF2-40B4-BE49-F238E27FC236}">
+                <a16:creationId xmlns:a16="http://schemas.microsoft.com/office/drawing/2014/main" id="{4FBA622E-F114-79BE-262C-6D9D324CF372}"/>
+              </a:ext>
+            </a:extLst>
+          </p:cNvPr>
+          <p:cNvSpPr>
+            <a:spLocks noGrp="1"/>
+          </p:cNvSpPr>
+          <p:nvPr>
+            <p:ph type="body" sz="quarter" idx="11"/>
+          </p:nvPr>
+        </p:nvSpPr>
+        <p:spPr/>
+        <p:txBody>
+          <a:bodyPr>
+            <a:normAutofit fontScale="92500" lnSpcReduction="20000"/>
+          </a:bodyPr>
+          <a:lstStyle/>
+          <a:p>
+            <a:endParaRPr kumimoji="1" lang="ja-JP" altLang="en-US"/>
+          </a:p>
+        </p:txBody>
+      </p:sp>
+      <p:sp>
+        <p:nvSpPr>
+          <p:cNvPr id="5" name="大かっこ 4">
+            <a:extLst>
+              <a:ext uri="{FF2B5EF4-FFF2-40B4-BE49-F238E27FC236}">
+                <a16:creationId xmlns:a16="http://schemas.microsoft.com/office/drawing/2014/main" id="{3732E731-C8A3-4A86-9DEB-3F282E0B2FCD}"/>
+              </a:ext>
+            </a:extLst>
+          </p:cNvPr>
+          <p:cNvSpPr/>
+          <p:nvPr/>
+        </p:nvSpPr>
+        <p:spPr>
+          <a:xfrm>
+            <a:off x="1113808" y="2682545"/>
+            <a:ext cx="1710267" cy="1710267"/>
+          </a:xfrm>
+          <a:prstGeom prst="bracketPair">
+            <a:avLst/>
+          </a:prstGeom>
+          <a:ln w="28575"/>
+        </p:spPr>
+        <p:style>
+          <a:lnRef idx="1">
+            <a:schemeClr val="dk1"/>
+          </a:lnRef>
+          <a:fillRef idx="0">
+            <a:schemeClr val="dk1"/>
+          </a:fillRef>
+          <a:effectRef idx="0">
+            <a:schemeClr val="dk1"/>
+          </a:effectRef>
+          <a:fontRef idx="minor">
+            <a:schemeClr val="tx1"/>
+          </a:fontRef>
+        </p:style>
+        <p:txBody>
+          <a:bodyPr rtlCol="0" anchor="ctr"/>
+          <a:lstStyle/>
+          <a:p>
+            <a:pPr algn="ctr"/>
+            <a:endParaRPr kumimoji="1" lang="ja-JP" altLang="en-US"/>
+          </a:p>
+        </p:txBody>
+      </p:sp>
+      <p:sp>
+        <p:nvSpPr>
+          <p:cNvPr id="6" name="テキスト ボックス 5">
+            <a:extLst>
+              <a:ext uri="{FF2B5EF4-FFF2-40B4-BE49-F238E27FC236}">
+                <a16:creationId xmlns:a16="http://schemas.microsoft.com/office/drawing/2014/main" id="{4A575567-37DB-CFE2-E659-153575B2D246}"/>
+              </a:ext>
+            </a:extLst>
+          </p:cNvPr>
+          <p:cNvSpPr txBox="1"/>
+          <p:nvPr/>
+        </p:nvSpPr>
+        <p:spPr>
+          <a:xfrm>
+            <a:off x="1688831" y="2970696"/>
+            <a:ext cx="560218" cy="369332"/>
+          </a:xfrm>
+          <a:prstGeom prst="rect">
+            <a:avLst/>
+          </a:prstGeom>
+          <a:noFill/>
+        </p:spPr>
+        <p:txBody>
+          <a:bodyPr wrap="none" rtlCol="0">
+            <a:spAutoFit/>
+          </a:bodyPr>
+          <a:lstStyle/>
+          <a:p>
+            <a:r>
+              <a:rPr kumimoji="1" lang="en-US" altLang="ja-JP" dirty="0"/>
+              <a:t>you</a:t>
+            </a:r>
+            <a:endParaRPr kumimoji="1" lang="ja-JP" altLang="en-US"/>
+          </a:p>
+        </p:txBody>
+      </p:sp>
+      <p:sp>
+        <p:nvSpPr>
+          <p:cNvPr id="7" name="テキスト ボックス 6">
+            <a:extLst>
+              <a:ext uri="{FF2B5EF4-FFF2-40B4-BE49-F238E27FC236}">
+                <a16:creationId xmlns:a16="http://schemas.microsoft.com/office/drawing/2014/main" id="{3EC4D4F4-2563-5B95-83B7-E04B33DB3062}"/>
+              </a:ext>
+            </a:extLst>
+          </p:cNvPr>
+          <p:cNvSpPr txBox="1"/>
+          <p:nvPr/>
+        </p:nvSpPr>
+        <p:spPr>
+          <a:xfrm>
+            <a:off x="1421931" y="3681754"/>
+            <a:ext cx="1094017" cy="369332"/>
+          </a:xfrm>
+          <a:prstGeom prst="rect">
+            <a:avLst/>
+          </a:prstGeom>
+          <a:noFill/>
+        </p:spPr>
+        <p:txBody>
+          <a:bodyPr wrap="none" rtlCol="0">
+            <a:spAutoFit/>
+          </a:bodyPr>
+          <a:lstStyle/>
+          <a:p>
+            <a:r>
+              <a:rPr kumimoji="1" lang="en-US" altLang="ja-JP" dirty="0"/>
+              <a:t>goodbye</a:t>
+            </a:r>
+            <a:endParaRPr kumimoji="1" lang="ja-JP" altLang="en-US"/>
+          </a:p>
+        </p:txBody>
+      </p:sp>
+      <p:cxnSp>
+        <p:nvCxnSpPr>
+          <p:cNvPr id="9" name="直線矢印コネクタ 8">
+            <a:extLst>
+              <a:ext uri="{FF2B5EF4-FFF2-40B4-BE49-F238E27FC236}">
+                <a16:creationId xmlns:a16="http://schemas.microsoft.com/office/drawing/2014/main" id="{7E893E43-7E14-1032-5496-7ADC4FBB2058}"/>
+              </a:ext>
+            </a:extLst>
+          </p:cNvPr>
+          <p:cNvCxnSpPr/>
+          <p:nvPr/>
+        </p:nvCxnSpPr>
+        <p:spPr>
+          <a:xfrm>
+            <a:off x="3179676" y="3520744"/>
+            <a:ext cx="1049866" cy="0"/>
+          </a:xfrm>
+          <a:prstGeom prst="straightConnector1">
+            <a:avLst/>
+          </a:prstGeom>
+          <a:ln w="19050">
+            <a:tailEnd type="triangle"/>
+          </a:ln>
+        </p:spPr>
+        <p:style>
+          <a:lnRef idx="1">
+            <a:schemeClr val="dk1"/>
+          </a:lnRef>
+          <a:fillRef idx="0">
+            <a:schemeClr val="dk1"/>
+          </a:fillRef>
+          <a:effectRef idx="0">
+            <a:schemeClr val="dk1"/>
+          </a:effectRef>
+          <a:fontRef idx="minor">
+            <a:schemeClr val="tx1"/>
+          </a:fontRef>
+        </p:style>
+      </p:cxnSp>
+      <p:sp>
+        <p:nvSpPr>
+          <p:cNvPr id="10" name="角丸四角形 9">
+            <a:extLst>
+              <a:ext uri="{FF2B5EF4-FFF2-40B4-BE49-F238E27FC236}">
+                <a16:creationId xmlns:a16="http://schemas.microsoft.com/office/drawing/2014/main" id="{F4422BD7-725E-FCBD-B2BF-BA9C157AD9CF}"/>
+              </a:ext>
+            </a:extLst>
+          </p:cNvPr>
+          <p:cNvSpPr/>
+          <p:nvPr/>
+        </p:nvSpPr>
+        <p:spPr>
+          <a:xfrm>
+            <a:off x="4458142" y="3232877"/>
+            <a:ext cx="1820334" cy="633543"/>
+          </a:xfrm>
+          <a:prstGeom prst="roundRect">
+            <a:avLst/>
+          </a:prstGeom>
+          <a:noFill/>
+          <a:ln w="28575">
+            <a:solidFill>
+              <a:schemeClr val="bg1">
+                <a:lumMod val="10000"/>
+              </a:schemeClr>
+            </a:solidFill>
+          </a:ln>
+        </p:spPr>
+        <p:style>
+          <a:lnRef idx="2">
+            <a:schemeClr val="accent1">
+              <a:shade val="15000"/>
+            </a:schemeClr>
+          </a:lnRef>
+          <a:fillRef idx="1">
+            <a:schemeClr val="accent1"/>
+          </a:fillRef>
+          <a:effectRef idx="0">
+            <a:schemeClr val="accent1"/>
+          </a:effectRef>
+          <a:fontRef idx="minor">
+            <a:schemeClr val="lt1"/>
+          </a:fontRef>
+        </p:style>
+        <p:txBody>
+          <a:bodyPr rtlCol="0" anchor="ctr"/>
+          <a:lstStyle/>
+          <a:p>
+            <a:pPr algn="ctr"/>
+            <a:endParaRPr kumimoji="1" lang="ja-JP" altLang="en-US"/>
+          </a:p>
+        </p:txBody>
+      </p:sp>
+      <p:sp>
+        <p:nvSpPr>
+          <p:cNvPr id="11" name="テキスト ボックス 10">
+            <a:extLst>
+              <a:ext uri="{FF2B5EF4-FFF2-40B4-BE49-F238E27FC236}">
+                <a16:creationId xmlns:a16="http://schemas.microsoft.com/office/drawing/2014/main" id="{196DFFA5-692B-1964-DC07-A0F4D9DB98BF}"/>
+              </a:ext>
+            </a:extLst>
+          </p:cNvPr>
+          <p:cNvSpPr txBox="1"/>
+          <p:nvPr/>
+        </p:nvSpPr>
+        <p:spPr>
+          <a:xfrm>
+            <a:off x="4929727" y="3364982"/>
+            <a:ext cx="877163" cy="369332"/>
+          </a:xfrm>
+          <a:prstGeom prst="rect">
+            <a:avLst/>
+          </a:prstGeom>
+          <a:noFill/>
+        </p:spPr>
+        <p:txBody>
+          <a:bodyPr wrap="none" rtlCol="0">
+            <a:spAutoFit/>
+          </a:bodyPr>
+          <a:lstStyle/>
+          <a:p>
+            <a:r>
+              <a:rPr kumimoji="1" lang="ja-JP" altLang="en-US"/>
+              <a:t>モデル</a:t>
+            </a:r>
+          </a:p>
+        </p:txBody>
+      </p:sp>
+      <p:cxnSp>
+        <p:nvCxnSpPr>
+          <p:cNvPr id="12" name="直線矢印コネクタ 11">
+            <a:extLst>
+              <a:ext uri="{FF2B5EF4-FFF2-40B4-BE49-F238E27FC236}">
+                <a16:creationId xmlns:a16="http://schemas.microsoft.com/office/drawing/2014/main" id="{CA567459-D6CD-0AFD-640B-64B2594F5044}"/>
+              </a:ext>
+            </a:extLst>
+          </p:cNvPr>
+          <p:cNvCxnSpPr/>
+          <p:nvPr/>
+        </p:nvCxnSpPr>
+        <p:spPr>
+          <a:xfrm>
+            <a:off x="6515542" y="3520744"/>
+            <a:ext cx="1049866" cy="0"/>
+          </a:xfrm>
+          <a:prstGeom prst="straightConnector1">
+            <a:avLst/>
+          </a:prstGeom>
+          <a:ln w="19050">
+            <a:tailEnd type="triangle"/>
+          </a:ln>
+        </p:spPr>
+        <p:style>
+          <a:lnRef idx="1">
+            <a:schemeClr val="dk1"/>
+          </a:lnRef>
+          <a:fillRef idx="0">
+            <a:schemeClr val="dk1"/>
+          </a:fillRef>
+          <a:effectRef idx="0">
+            <a:schemeClr val="dk1"/>
+          </a:effectRef>
+          <a:fontRef idx="minor">
+            <a:schemeClr val="tx1"/>
+          </a:fontRef>
+        </p:style>
+      </p:cxnSp>
+      <p:cxnSp>
+        <p:nvCxnSpPr>
+          <p:cNvPr id="13" name="Google Shape;6034;p58">
+            <a:extLst>
+              <a:ext uri="{FF2B5EF4-FFF2-40B4-BE49-F238E27FC236}">
+                <a16:creationId xmlns:a16="http://schemas.microsoft.com/office/drawing/2014/main" id="{65BFD4EF-3622-57AC-2D2C-E9D60A298C82}"/>
+              </a:ext>
+            </a:extLst>
+          </p:cNvPr>
+          <p:cNvCxnSpPr>
+            <a:cxnSpLocks/>
+          </p:cNvCxnSpPr>
+          <p:nvPr/>
+        </p:nvCxnSpPr>
+        <p:spPr>
+          <a:xfrm flipH="1">
+            <a:off x="8067687" y="4298944"/>
+            <a:ext cx="3282322" cy="0"/>
+          </a:xfrm>
+          <a:prstGeom prst="straightConnector1">
+            <a:avLst/>
+          </a:prstGeom>
+          <a:noFill/>
+          <a:ln w="9525" cap="flat" cmpd="sng">
+            <a:solidFill>
+              <a:schemeClr val="dk2"/>
+            </a:solidFill>
+            <a:prstDash val="solid"/>
+            <a:round/>
+            <a:headEnd type="stealth" w="med" len="med"/>
+            <a:tailEnd type="none" w="med" len="med"/>
+          </a:ln>
+        </p:spPr>
+      </p:cxnSp>
+      <p:cxnSp>
+        <p:nvCxnSpPr>
+          <p:cNvPr id="14" name="Google Shape;6035;p58">
+            <a:extLst>
+              <a:ext uri="{FF2B5EF4-FFF2-40B4-BE49-F238E27FC236}">
+                <a16:creationId xmlns:a16="http://schemas.microsoft.com/office/drawing/2014/main" id="{33BFCD46-4758-74D4-E3B1-04EF6E072AD0}"/>
+              </a:ext>
+            </a:extLst>
+          </p:cNvPr>
+          <p:cNvCxnSpPr>
+            <a:cxnSpLocks/>
+          </p:cNvCxnSpPr>
+          <p:nvPr/>
+        </p:nvCxnSpPr>
+        <p:spPr>
+          <a:xfrm flipV="1">
+            <a:off x="8072031" y="2437011"/>
+            <a:ext cx="0" cy="1861869"/>
+          </a:xfrm>
+          <a:prstGeom prst="straightConnector1">
+            <a:avLst/>
+          </a:prstGeom>
+          <a:noFill/>
+          <a:ln w="9525" cap="flat" cmpd="sng">
+            <a:solidFill>
+              <a:schemeClr val="dk2"/>
+            </a:solidFill>
+            <a:prstDash val="solid"/>
+            <a:round/>
+            <a:headEnd type="none" w="med" len="med"/>
+            <a:tailEnd type="stealth" w="med" len="med"/>
+          </a:ln>
+        </p:spPr>
+      </p:cxnSp>
+      <p:sp>
+        <p:nvSpPr>
+          <p:cNvPr id="19" name="正方形/長方形 18">
+            <a:extLst>
+              <a:ext uri="{FF2B5EF4-FFF2-40B4-BE49-F238E27FC236}">
+                <a16:creationId xmlns:a16="http://schemas.microsoft.com/office/drawing/2014/main" id="{5450319E-8CD4-688D-C5F8-F268A3CA5DDD}"/>
+              </a:ext>
+            </a:extLst>
+          </p:cNvPr>
+          <p:cNvSpPr/>
+          <p:nvPr/>
+        </p:nvSpPr>
+        <p:spPr>
+          <a:xfrm>
+            <a:off x="8203954" y="4113413"/>
+            <a:ext cx="304800" cy="185466"/>
+          </a:xfrm>
+          <a:prstGeom prst="rect">
+            <a:avLst/>
+          </a:prstGeom>
+          <a:solidFill>
+            <a:schemeClr val="bg2"/>
+          </a:solidFill>
+        </p:spPr>
+        <p:style>
+          <a:lnRef idx="2">
+            <a:schemeClr val="accent1">
+              <a:shade val="15000"/>
+            </a:schemeClr>
+          </a:lnRef>
+          <a:fillRef idx="1">
+            <a:schemeClr val="accent1"/>
+          </a:fillRef>
+          <a:effectRef idx="0">
+            <a:schemeClr val="accent1"/>
+          </a:effectRef>
+          <a:fontRef idx="minor">
+            <a:schemeClr val="lt1"/>
+          </a:fontRef>
+        </p:style>
+        <p:txBody>
+          <a:bodyPr rtlCol="0" anchor="ctr"/>
+          <a:lstStyle/>
+          <a:p>
+            <a:pPr algn="ctr"/>
+            <a:endParaRPr kumimoji="1" lang="ja-JP" altLang="en-US"/>
+          </a:p>
+        </p:txBody>
+      </p:sp>
+      <p:sp>
+        <p:nvSpPr>
+          <p:cNvPr id="20" name="正方形/長方形 19">
+            <a:extLst>
+              <a:ext uri="{FF2B5EF4-FFF2-40B4-BE49-F238E27FC236}">
+                <a16:creationId xmlns:a16="http://schemas.microsoft.com/office/drawing/2014/main" id="{7874A44D-FF68-553E-B2F5-7BB51F2AB2F1}"/>
+              </a:ext>
+            </a:extLst>
+          </p:cNvPr>
+          <p:cNvSpPr/>
+          <p:nvPr/>
+        </p:nvSpPr>
+        <p:spPr>
+          <a:xfrm>
+            <a:off x="8747198" y="2843420"/>
+            <a:ext cx="304800" cy="1455459"/>
+          </a:xfrm>
+          <a:prstGeom prst="rect">
+            <a:avLst/>
+          </a:prstGeom>
+          <a:solidFill>
+            <a:schemeClr val="bg2"/>
+          </a:solidFill>
+        </p:spPr>
+        <p:style>
+          <a:lnRef idx="2">
+            <a:schemeClr val="accent1">
+              <a:shade val="15000"/>
+            </a:schemeClr>
+          </a:lnRef>
+          <a:fillRef idx="1">
+            <a:schemeClr val="accent1"/>
+          </a:fillRef>
+          <a:effectRef idx="0">
+            <a:schemeClr val="accent1"/>
+          </a:effectRef>
+          <a:fontRef idx="minor">
+            <a:schemeClr val="lt1"/>
+          </a:fontRef>
+        </p:style>
+        <p:txBody>
+          <a:bodyPr rtlCol="0" anchor="ctr"/>
+          <a:lstStyle/>
+          <a:p>
+            <a:pPr algn="ctr"/>
+            <a:endParaRPr kumimoji="1" lang="ja-JP" altLang="en-US"/>
+          </a:p>
+        </p:txBody>
+      </p:sp>
+      <p:sp>
+        <p:nvSpPr>
+          <p:cNvPr id="21" name="正方形/長方形 20">
+            <a:extLst>
+              <a:ext uri="{FF2B5EF4-FFF2-40B4-BE49-F238E27FC236}">
+                <a16:creationId xmlns:a16="http://schemas.microsoft.com/office/drawing/2014/main" id="{BEA0A553-F5D6-70E9-19BB-100E8DBA2976}"/>
+              </a:ext>
+            </a:extLst>
+          </p:cNvPr>
+          <p:cNvSpPr/>
+          <p:nvPr/>
+        </p:nvSpPr>
+        <p:spPr>
+          <a:xfrm>
+            <a:off x="9290442" y="4181150"/>
+            <a:ext cx="304800" cy="117729"/>
+          </a:xfrm>
+          <a:prstGeom prst="rect">
+            <a:avLst/>
+          </a:prstGeom>
+          <a:solidFill>
+            <a:schemeClr val="bg2"/>
+          </a:solidFill>
+        </p:spPr>
+        <p:style>
+          <a:lnRef idx="2">
+            <a:schemeClr val="accent1">
+              <a:shade val="15000"/>
+            </a:schemeClr>
+          </a:lnRef>
+          <a:fillRef idx="1">
+            <a:schemeClr val="accent1"/>
+          </a:fillRef>
+          <a:effectRef idx="0">
+            <a:schemeClr val="accent1"/>
+          </a:effectRef>
+          <a:fontRef idx="minor">
+            <a:schemeClr val="lt1"/>
+          </a:fontRef>
+        </p:style>
+        <p:txBody>
+          <a:bodyPr rtlCol="0" anchor="ctr"/>
+          <a:lstStyle/>
+          <a:p>
+            <a:pPr algn="ctr"/>
+            <a:endParaRPr kumimoji="1" lang="ja-JP" altLang="en-US"/>
+          </a:p>
+        </p:txBody>
+      </p:sp>
+      <p:sp>
+        <p:nvSpPr>
+          <p:cNvPr id="22" name="正方形/長方形 21">
+            <a:extLst>
+              <a:ext uri="{FF2B5EF4-FFF2-40B4-BE49-F238E27FC236}">
+                <a16:creationId xmlns:a16="http://schemas.microsoft.com/office/drawing/2014/main" id="{6175526F-FBF4-2F8E-9E0B-264A0D30152C}"/>
+              </a:ext>
+            </a:extLst>
+          </p:cNvPr>
+          <p:cNvSpPr/>
+          <p:nvPr/>
+        </p:nvSpPr>
+        <p:spPr>
+          <a:xfrm>
+            <a:off x="9833686" y="3986421"/>
+            <a:ext cx="304800" cy="312458"/>
+          </a:xfrm>
+          <a:prstGeom prst="rect">
+            <a:avLst/>
+          </a:prstGeom>
+          <a:solidFill>
+            <a:schemeClr val="bg2"/>
+          </a:solidFill>
+        </p:spPr>
+        <p:style>
+          <a:lnRef idx="2">
+            <a:schemeClr val="accent1">
+              <a:shade val="15000"/>
+            </a:schemeClr>
+          </a:lnRef>
+          <a:fillRef idx="1">
+            <a:schemeClr val="accent1"/>
+          </a:fillRef>
+          <a:effectRef idx="0">
+            <a:schemeClr val="accent1"/>
+          </a:effectRef>
+          <a:fontRef idx="minor">
+            <a:schemeClr val="lt1"/>
+          </a:fontRef>
+        </p:style>
+        <p:txBody>
+          <a:bodyPr rtlCol="0" anchor="ctr"/>
+          <a:lstStyle/>
+          <a:p>
+            <a:pPr algn="ctr"/>
+            <a:endParaRPr kumimoji="1" lang="ja-JP" altLang="en-US"/>
+          </a:p>
+        </p:txBody>
+      </p:sp>
+      <p:sp>
+        <p:nvSpPr>
+          <p:cNvPr id="23" name="正方形/長方形 22">
+            <a:extLst>
+              <a:ext uri="{FF2B5EF4-FFF2-40B4-BE49-F238E27FC236}">
+                <a16:creationId xmlns:a16="http://schemas.microsoft.com/office/drawing/2014/main" id="{BC0AE607-B959-3D83-19A6-968D6E0D35EA}"/>
+              </a:ext>
+            </a:extLst>
+          </p:cNvPr>
+          <p:cNvSpPr/>
+          <p:nvPr/>
+        </p:nvSpPr>
+        <p:spPr>
+          <a:xfrm>
+            <a:off x="10358325" y="4113413"/>
+            <a:ext cx="304800" cy="185466"/>
+          </a:xfrm>
+          <a:prstGeom prst="rect">
+            <a:avLst/>
+          </a:prstGeom>
+          <a:solidFill>
+            <a:schemeClr val="bg2"/>
+          </a:solidFill>
+        </p:spPr>
+        <p:style>
+          <a:lnRef idx="2">
+            <a:schemeClr val="accent1">
+              <a:shade val="15000"/>
+            </a:schemeClr>
+          </a:lnRef>
+          <a:fillRef idx="1">
+            <a:schemeClr val="accent1"/>
+          </a:fillRef>
+          <a:effectRef idx="0">
+            <a:schemeClr val="accent1"/>
+          </a:effectRef>
+          <a:fontRef idx="minor">
+            <a:schemeClr val="lt1"/>
+          </a:fontRef>
+        </p:style>
+        <p:txBody>
+          <a:bodyPr rtlCol="0" anchor="ctr"/>
+          <a:lstStyle/>
+          <a:p>
+            <a:pPr algn="ctr"/>
+            <a:endParaRPr kumimoji="1" lang="ja-JP" altLang="en-US"/>
+          </a:p>
+        </p:txBody>
+      </p:sp>
+      <p:sp>
+        <p:nvSpPr>
+          <p:cNvPr id="24" name="正方形/長方形 23">
+            <a:extLst>
+              <a:ext uri="{FF2B5EF4-FFF2-40B4-BE49-F238E27FC236}">
+                <a16:creationId xmlns:a16="http://schemas.microsoft.com/office/drawing/2014/main" id="{FE1D905F-E9F0-99AF-1A92-0B2BE5C0883F}"/>
+              </a:ext>
+            </a:extLst>
+          </p:cNvPr>
+          <p:cNvSpPr/>
+          <p:nvPr/>
+        </p:nvSpPr>
+        <p:spPr>
+          <a:xfrm>
+            <a:off x="10816610" y="4181149"/>
+            <a:ext cx="304800" cy="117729"/>
+          </a:xfrm>
+          <a:prstGeom prst="rect">
+            <a:avLst/>
+          </a:prstGeom>
+          <a:solidFill>
+            <a:schemeClr val="bg2"/>
+          </a:solidFill>
+        </p:spPr>
+        <p:style>
+          <a:lnRef idx="2">
+            <a:schemeClr val="accent1">
+              <a:shade val="15000"/>
+            </a:schemeClr>
+          </a:lnRef>
+          <a:fillRef idx="1">
+            <a:schemeClr val="accent1"/>
+          </a:fillRef>
+          <a:effectRef idx="0">
+            <a:schemeClr val="accent1"/>
+          </a:effectRef>
+          <a:fontRef idx="minor">
+            <a:schemeClr val="lt1"/>
+          </a:fontRef>
+        </p:style>
+        <p:txBody>
+          <a:bodyPr rtlCol="0" anchor="ctr"/>
+          <a:lstStyle/>
+          <a:p>
+            <a:pPr algn="ctr"/>
+            <a:endParaRPr kumimoji="1" lang="ja-JP" altLang="en-US"/>
+          </a:p>
+        </p:txBody>
+      </p:sp>
+      <p:sp>
+        <p:nvSpPr>
+          <p:cNvPr id="25" name="テキスト ボックス 24">
+            <a:extLst>
+              <a:ext uri="{FF2B5EF4-FFF2-40B4-BE49-F238E27FC236}">
+                <a16:creationId xmlns:a16="http://schemas.microsoft.com/office/drawing/2014/main" id="{177779E1-DEA4-F5E3-2726-48C1171EE48C}"/>
+              </a:ext>
+            </a:extLst>
+          </p:cNvPr>
+          <p:cNvSpPr txBox="1"/>
+          <p:nvPr/>
+        </p:nvSpPr>
+        <p:spPr>
+          <a:xfrm>
+            <a:off x="8125521" y="4392812"/>
+            <a:ext cx="461665" cy="551133"/>
+          </a:xfrm>
+          <a:prstGeom prst="rect">
+            <a:avLst/>
+          </a:prstGeom>
+          <a:noFill/>
+        </p:spPr>
+        <p:txBody>
+          <a:bodyPr vert="eaVert" wrap="square" rtlCol="0">
+            <a:spAutoFit/>
+          </a:bodyPr>
+          <a:lstStyle/>
+          <a:p>
+            <a:r>
+              <a:rPr lang="en-US" altLang="ja-JP" dirty="0"/>
+              <a:t>you</a:t>
+            </a:r>
+            <a:endParaRPr kumimoji="1" lang="ja-JP" altLang="en-US"/>
+          </a:p>
+        </p:txBody>
+      </p:sp>
+      <p:sp>
+        <p:nvSpPr>
+          <p:cNvPr id="26" name="テキスト ボックス 25">
+            <a:extLst>
+              <a:ext uri="{FF2B5EF4-FFF2-40B4-BE49-F238E27FC236}">
+                <a16:creationId xmlns:a16="http://schemas.microsoft.com/office/drawing/2014/main" id="{13161EF5-E54A-44AD-BDA3-8F7952823031}"/>
+              </a:ext>
+            </a:extLst>
+          </p:cNvPr>
+          <p:cNvSpPr txBox="1"/>
+          <p:nvPr/>
+        </p:nvSpPr>
+        <p:spPr>
+          <a:xfrm>
+            <a:off x="8747198" y="4392811"/>
+            <a:ext cx="461665" cy="551133"/>
+          </a:xfrm>
+          <a:prstGeom prst="rect">
+            <a:avLst/>
+          </a:prstGeom>
+          <a:noFill/>
+        </p:spPr>
+        <p:txBody>
+          <a:bodyPr vert="eaVert" wrap="square" rtlCol="0">
+            <a:spAutoFit/>
+          </a:bodyPr>
+          <a:lstStyle/>
+          <a:p>
+            <a:r>
+              <a:rPr lang="en-US" altLang="ja-JP" dirty="0"/>
+              <a:t>say</a:t>
+            </a:r>
+            <a:endParaRPr kumimoji="1" lang="ja-JP" altLang="en-US"/>
+          </a:p>
+        </p:txBody>
+      </p:sp>
+      <p:sp>
+        <p:nvSpPr>
+          <p:cNvPr id="27" name="テキスト ボックス 26">
+            <a:extLst>
+              <a:ext uri="{FF2B5EF4-FFF2-40B4-BE49-F238E27FC236}">
+                <a16:creationId xmlns:a16="http://schemas.microsoft.com/office/drawing/2014/main" id="{7959BF88-CA5C-B235-E324-538ECBE2C4D5}"/>
+              </a:ext>
+            </a:extLst>
+          </p:cNvPr>
+          <p:cNvSpPr txBox="1"/>
+          <p:nvPr/>
+        </p:nvSpPr>
+        <p:spPr>
+          <a:xfrm>
+            <a:off x="8645663" y="4392810"/>
+            <a:ext cx="1015663" cy="1710259"/>
+          </a:xfrm>
+          <a:prstGeom prst="rect">
+            <a:avLst/>
+          </a:prstGeom>
+          <a:noFill/>
+        </p:spPr>
+        <p:txBody>
+          <a:bodyPr vert="eaVert" wrap="square" rtlCol="0">
+            <a:spAutoFit/>
+          </a:bodyPr>
+          <a:lstStyle/>
+          <a:p>
+            <a:r>
+              <a:rPr lang="en-US" altLang="ja-JP" dirty="0"/>
+              <a:t>goodbye</a:t>
+            </a:r>
+            <a:endParaRPr kumimoji="1" lang="ja-JP" altLang="en-US"/>
+          </a:p>
+        </p:txBody>
+      </p:sp>
+      <p:sp>
+        <p:nvSpPr>
+          <p:cNvPr id="28" name="テキスト ボックス 27">
+            <a:extLst>
+              <a:ext uri="{FF2B5EF4-FFF2-40B4-BE49-F238E27FC236}">
+                <a16:creationId xmlns:a16="http://schemas.microsoft.com/office/drawing/2014/main" id="{2FD9EDEA-5C49-8F11-6A51-9447E0D9633D}"/>
+              </a:ext>
+            </a:extLst>
+          </p:cNvPr>
+          <p:cNvSpPr txBox="1"/>
+          <p:nvPr/>
+        </p:nvSpPr>
+        <p:spPr>
+          <a:xfrm>
+            <a:off x="9762861" y="4392811"/>
+            <a:ext cx="461665" cy="551133"/>
+          </a:xfrm>
+          <a:prstGeom prst="rect">
+            <a:avLst/>
+          </a:prstGeom>
+          <a:noFill/>
+        </p:spPr>
+        <p:txBody>
+          <a:bodyPr vert="eaVert" wrap="square" rtlCol="0">
+            <a:spAutoFit/>
+          </a:bodyPr>
+          <a:lstStyle/>
+          <a:p>
+            <a:r>
+              <a:rPr lang="en-US" altLang="ja-JP" dirty="0"/>
+              <a:t>and</a:t>
+            </a:r>
+            <a:endParaRPr kumimoji="1" lang="ja-JP" altLang="en-US"/>
+          </a:p>
+        </p:txBody>
+      </p:sp>
+      <p:sp>
+        <p:nvSpPr>
+          <p:cNvPr id="29" name="テキスト ボックス 28">
+            <a:extLst>
+              <a:ext uri="{FF2B5EF4-FFF2-40B4-BE49-F238E27FC236}">
+                <a16:creationId xmlns:a16="http://schemas.microsoft.com/office/drawing/2014/main" id="{29CC1027-1BCB-CCFF-AD83-20DC370EF5BF}"/>
+              </a:ext>
+            </a:extLst>
+          </p:cNvPr>
+          <p:cNvSpPr txBox="1"/>
+          <p:nvPr/>
+        </p:nvSpPr>
+        <p:spPr>
+          <a:xfrm>
+            <a:off x="10279892" y="4392811"/>
+            <a:ext cx="461665" cy="551133"/>
+          </a:xfrm>
+          <a:prstGeom prst="rect">
+            <a:avLst/>
+          </a:prstGeom>
+          <a:noFill/>
+        </p:spPr>
+        <p:txBody>
+          <a:bodyPr vert="eaVert" wrap="square" rtlCol="0">
+            <a:spAutoFit/>
+          </a:bodyPr>
+          <a:lstStyle/>
+          <a:p>
+            <a:r>
+              <a:rPr lang="en-US" altLang="ja-JP" dirty="0"/>
+              <a:t>I</a:t>
+            </a:r>
+            <a:endParaRPr kumimoji="1" lang="ja-JP" altLang="en-US"/>
+          </a:p>
+        </p:txBody>
+      </p:sp>
+      <p:sp>
+        <p:nvSpPr>
+          <p:cNvPr id="30" name="テキスト ボックス 29">
+            <a:extLst>
+              <a:ext uri="{FF2B5EF4-FFF2-40B4-BE49-F238E27FC236}">
+                <a16:creationId xmlns:a16="http://schemas.microsoft.com/office/drawing/2014/main" id="{83731842-B15F-CFF8-AEFD-B0955D3D6077}"/>
+              </a:ext>
+            </a:extLst>
+          </p:cNvPr>
+          <p:cNvSpPr txBox="1"/>
+          <p:nvPr/>
+        </p:nvSpPr>
+        <p:spPr>
+          <a:xfrm>
+            <a:off x="10738177" y="4392811"/>
+            <a:ext cx="461665" cy="770460"/>
+          </a:xfrm>
+          <a:prstGeom prst="rect">
+            <a:avLst/>
+          </a:prstGeom>
+          <a:noFill/>
+        </p:spPr>
+        <p:txBody>
+          <a:bodyPr vert="eaVert" wrap="square" rtlCol="0">
+            <a:spAutoFit/>
+          </a:bodyPr>
+          <a:lstStyle/>
+          <a:p>
+            <a:r>
+              <a:rPr lang="en-US" altLang="ja-JP" dirty="0"/>
+              <a:t>hello</a:t>
+            </a:r>
+            <a:endParaRPr kumimoji="1" lang="ja-JP" altLang="en-US"/>
+          </a:p>
+        </p:txBody>
+      </p:sp>
+      <p:sp>
+        <p:nvSpPr>
+          <p:cNvPr id="32" name="テキスト ボックス 31">
+            <a:extLst>
+              <a:ext uri="{FF2B5EF4-FFF2-40B4-BE49-F238E27FC236}">
+                <a16:creationId xmlns:a16="http://schemas.microsoft.com/office/drawing/2014/main" id="{576BBF82-70B3-BC1E-D443-75917292F1F0}"/>
+              </a:ext>
+            </a:extLst>
+          </p:cNvPr>
+          <p:cNvSpPr txBox="1"/>
+          <p:nvPr/>
+        </p:nvSpPr>
+        <p:spPr>
+          <a:xfrm>
+            <a:off x="8978030" y="1258236"/>
+            <a:ext cx="1107996" cy="369332"/>
+          </a:xfrm>
+          <a:prstGeom prst="rect">
+            <a:avLst/>
+          </a:prstGeom>
+          <a:noFill/>
+        </p:spPr>
+        <p:txBody>
+          <a:bodyPr wrap="none" rtlCol="0">
+            <a:spAutoFit/>
+          </a:bodyPr>
+          <a:lstStyle/>
+          <a:p>
+            <a:r>
+              <a:rPr kumimoji="1" lang="ja-JP" altLang="en-US"/>
+              <a:t>確率分布</a:t>
+            </a:r>
+          </a:p>
+        </p:txBody>
+      </p:sp>
+    </p:spTree>
+    <p:extLst>
+      <p:ext uri="{BB962C8B-B14F-4D97-AF65-F5344CB8AC3E}">
+        <p14:creationId xmlns:p14="http://schemas.microsoft.com/office/powerpoint/2010/main" val="793362599"/>
+      </p:ext>
+    </p:extLst>
+  </p:cSld>
+  <p:clrMapOvr>
+    <a:masterClrMapping/>
+  </p:clrMapOvr>
+</p:sld>
+</file>
+
+<file path=ppt/slides/slide14.xml><?xml version="1.0" encoding="utf-8"?>
+<p:sld xmlns:a="http://schemas.openxmlformats.org/drawingml/2006/main" xmlns:r="http://schemas.openxmlformats.org/officeDocument/2006/relationships" xmlns:p="http://schemas.openxmlformats.org/presentationml/2006/main">
+  <p:cSld>
+    <p:spTree>
+      <p:nvGrpSpPr>
+        <p:cNvPr id="1" name=""/>
+        <p:cNvGrpSpPr/>
+        <p:nvPr/>
+      </p:nvGrpSpPr>
+      <p:grpSpPr>
+        <a:xfrm>
+          <a:off x="0" y="0"/>
+          <a:ext cx="0" cy="0"/>
+          <a:chOff x="0" y="0"/>
+          <a:chExt cx="0" cy="0"/>
+        </a:xfrm>
+      </p:grpSpPr>
+      <p:sp>
+        <p:nvSpPr>
+          <p:cNvPr id="4" name="テキスト プレースホルダー 3">
+            <a:extLst>
+              <a:ext uri="{FF2B5EF4-FFF2-40B4-BE49-F238E27FC236}">
+                <a16:creationId xmlns:a16="http://schemas.microsoft.com/office/drawing/2014/main" id="{4FBA622E-F114-79BE-262C-6D9D324CF372}"/>
+              </a:ext>
+            </a:extLst>
+          </p:cNvPr>
+          <p:cNvSpPr>
+            <a:spLocks noGrp="1"/>
+          </p:cNvSpPr>
+          <p:nvPr>
+            <p:ph type="body" sz="quarter" idx="11"/>
+          </p:nvPr>
+        </p:nvSpPr>
+        <p:spPr>
+          <a:xfrm>
+            <a:off x="170380" y="287936"/>
+            <a:ext cx="11455400" cy="469900"/>
+          </a:xfrm>
+        </p:spPr>
+        <p:txBody>
+          <a:bodyPr>
+            <a:normAutofit fontScale="92500" lnSpcReduction="20000"/>
+          </a:bodyPr>
+          <a:lstStyle/>
+          <a:p>
+            <a:endParaRPr kumimoji="1" lang="ja-JP" altLang="en-US"/>
+          </a:p>
+        </p:txBody>
+      </p:sp>
+      <p:graphicFrame>
+        <p:nvGraphicFramePr>
+          <p:cNvPr id="2" name="表 1">
+            <a:extLst>
+              <a:ext uri="{FF2B5EF4-FFF2-40B4-BE49-F238E27FC236}">
+                <a16:creationId xmlns:a16="http://schemas.microsoft.com/office/drawing/2014/main" id="{EA6D00A0-A8AB-2B5F-91A2-A0142AAB98C8}"/>
+              </a:ext>
+            </a:extLst>
+          </p:cNvPr>
+          <p:cNvGraphicFramePr>
+            <a:graphicFrameLocks noGrp="1"/>
+          </p:cNvGraphicFramePr>
+          <p:nvPr>
+            <p:extLst>
+              <p:ext uri="{D42A27DB-BD31-4B8C-83A1-F6EECF244321}">
+                <p14:modId xmlns:p14="http://schemas.microsoft.com/office/powerpoint/2010/main" val="3896792801"/>
+              </p:ext>
+            </p:extLst>
+          </p:nvPr>
+        </p:nvGraphicFramePr>
+        <p:xfrm>
+          <a:off x="2132484" y="2873478"/>
+          <a:ext cx="7202435" cy="1804897"/>
+        </p:xfrm>
+        <a:graphic>
+          <a:graphicData uri="http://schemas.openxmlformats.org/drawingml/2006/table">
+            <a:tbl>
+              <a:tblPr firstRow="1" bandRow="1">
+                <a:tableStyleId>{5C22544A-7EE6-4342-B048-85BDC9FD1C3A}</a:tableStyleId>
+              </a:tblPr>
+              <a:tblGrid>
+                <a:gridCol w="2400812">
+                  <a:extLst>
+                    <a:ext uri="{9D8B030D-6E8A-4147-A177-3AD203B41FA5}">
+                      <a16:colId xmlns:a16="http://schemas.microsoft.com/office/drawing/2014/main" val="62243078"/>
+                    </a:ext>
+                  </a:extLst>
+                </a:gridCol>
+                <a:gridCol w="1506114">
+                  <a:extLst>
+                    <a:ext uri="{9D8B030D-6E8A-4147-A177-3AD203B41FA5}">
+                      <a16:colId xmlns:a16="http://schemas.microsoft.com/office/drawing/2014/main" val="4158025376"/>
+                    </a:ext>
+                  </a:extLst>
+                </a:gridCol>
+                <a:gridCol w="3295509">
+                  <a:extLst>
+                    <a:ext uri="{9D8B030D-6E8A-4147-A177-3AD203B41FA5}">
+                      <a16:colId xmlns:a16="http://schemas.microsoft.com/office/drawing/2014/main" val="3126776777"/>
+                    </a:ext>
+                  </a:extLst>
+                </a:gridCol>
+              </a:tblGrid>
+              <a:tr h="452526">
+                <a:tc>
+                  <a:txBody>
+                    <a:bodyPr/>
+                    <a:lstStyle/>
+                    <a:p>
+                      <a:pPr algn="ctr"/>
+                      <a:r>
+                        <a:rPr kumimoji="1" lang="ja-JP" altLang="en-US">
+                          <a:solidFill>
+                            <a:schemeClr val="bg1">
+                              <a:lumMod val="10000"/>
+                            </a:schemeClr>
+                          </a:solidFill>
+                        </a:rPr>
+                        <a:t>単語</a:t>
+                      </a:r>
+                    </a:p>
+                  </a:txBody>
+                  <a:tcPr>
+                    <a:lnL w="12700" cap="flat" cmpd="sng" algn="ctr">
+                      <a:solidFill>
+                        <a:schemeClr val="tx1"/>
+                      </a:solidFill>
+                      <a:prstDash val="solid"/>
+                      <a:round/>
+                      <a:headEnd type="none" w="med" len="med"/>
+                      <a:tailEnd type="none" w="med" len="med"/>
+                    </a:lnL>
+                    <a:lnR w="12700" cap="flat" cmpd="sng" algn="ctr">
+                      <a:solidFill>
+                        <a:schemeClr val="tx1"/>
+                      </a:solidFill>
+                      <a:prstDash val="solid"/>
+                      <a:round/>
+                      <a:headEnd type="none" w="med" len="med"/>
+                      <a:tailEnd type="none" w="med" len="med"/>
+                    </a:lnR>
+                    <a:lnT w="12700" cap="flat" cmpd="sng" algn="ctr">
+                      <a:solidFill>
+                        <a:schemeClr val="tx1"/>
+                      </a:solidFill>
+                      <a:prstDash val="solid"/>
+                      <a:round/>
+                      <a:headEnd type="none" w="med" len="med"/>
+                      <a:tailEnd type="none" w="med" len="med"/>
+                    </a:lnT>
+                    <a:lnB w="12700" cap="flat" cmpd="sng" algn="ctr">
+                      <a:solidFill>
+                        <a:schemeClr val="tx1"/>
+                      </a:solidFill>
+                      <a:prstDash val="solid"/>
+                      <a:round/>
+                      <a:headEnd type="none" w="med" len="med"/>
+                      <a:tailEnd type="none" w="med" len="med"/>
+                    </a:lnB>
+                    <a:solidFill>
+                      <a:schemeClr val="bg1"/>
+                    </a:solidFill>
+                  </a:tcPr>
+                </a:tc>
+                <a:tc>
+                  <a:txBody>
+                    <a:bodyPr/>
+                    <a:lstStyle/>
+                    <a:p>
+                      <a:pPr algn="ctr"/>
+                      <a:r>
+                        <a:rPr kumimoji="1" lang="ja-JP" altLang="en-US">
+                          <a:solidFill>
+                            <a:schemeClr val="bg1">
+                              <a:lumMod val="10000"/>
+                            </a:schemeClr>
+                          </a:solidFill>
+                        </a:rPr>
+                        <a:t>単語</a:t>
+                      </a:r>
+                      <a:r>
+                        <a:rPr kumimoji="1" lang="en-US" altLang="ja-JP" dirty="0">
+                          <a:solidFill>
+                            <a:schemeClr val="bg1">
+                              <a:lumMod val="10000"/>
+                            </a:schemeClr>
+                          </a:solidFill>
+                        </a:rPr>
+                        <a:t>ID</a:t>
+                      </a:r>
+                    </a:p>
+                  </a:txBody>
+                  <a:tcPr>
+                    <a:lnL w="12700" cap="flat" cmpd="sng" algn="ctr">
+                      <a:solidFill>
+                        <a:schemeClr val="tx1"/>
+                      </a:solidFill>
+                      <a:prstDash val="solid"/>
+                      <a:round/>
+                      <a:headEnd type="none" w="med" len="med"/>
+                      <a:tailEnd type="none" w="med" len="med"/>
+                    </a:lnL>
+                    <a:lnR w="12700" cap="flat" cmpd="sng" algn="ctr">
+                      <a:solidFill>
+                        <a:schemeClr val="tx1"/>
+                      </a:solidFill>
+                      <a:prstDash val="solid"/>
+                      <a:round/>
+                      <a:headEnd type="none" w="med" len="med"/>
+                      <a:tailEnd type="none" w="med" len="med"/>
+                    </a:lnR>
+                    <a:lnT w="12700" cap="flat" cmpd="sng" algn="ctr">
+                      <a:solidFill>
+                        <a:schemeClr val="tx1"/>
+                      </a:solidFill>
+                      <a:prstDash val="solid"/>
+                      <a:round/>
+                      <a:headEnd type="none" w="med" len="med"/>
+                      <a:tailEnd type="none" w="med" len="med"/>
+                    </a:lnT>
+                    <a:lnB w="12700" cap="flat" cmpd="sng" algn="ctr">
+                      <a:solidFill>
+                        <a:schemeClr val="tx1"/>
+                      </a:solidFill>
+                      <a:prstDash val="solid"/>
+                      <a:round/>
+                      <a:headEnd type="none" w="med" len="med"/>
+                      <a:tailEnd type="none" w="med" len="med"/>
+                    </a:lnB>
+                    <a:solidFill>
+                      <a:schemeClr val="bg1"/>
+                    </a:solidFill>
+                  </a:tcPr>
+                </a:tc>
+                <a:tc>
+                  <a:txBody>
+                    <a:bodyPr/>
+                    <a:lstStyle/>
+                    <a:p>
+                      <a:pPr marL="0" marR="0" lvl="0" indent="0" algn="ctr" defTabSz="914400" rtl="0" eaLnBrk="1" fontAlgn="auto" latinLnBrk="0" hangingPunct="1">
+                        <a:lnSpc>
+                          <a:spcPct val="100000"/>
+                        </a:lnSpc>
+                        <a:spcBef>
+                          <a:spcPts val="0"/>
+                        </a:spcBef>
+                        <a:spcAft>
+                          <a:spcPts val="0"/>
+                        </a:spcAft>
+                        <a:buClrTx/>
+                        <a:buSzTx/>
+                        <a:buFontTx/>
+                        <a:buNone/>
+                        <a:tabLst/>
+                        <a:defRPr/>
+                      </a:pPr>
+                      <a:r>
+                        <a:rPr kumimoji="1" lang="en-US" altLang="ja-JP" dirty="0">
+                          <a:solidFill>
+                            <a:schemeClr val="bg1">
+                              <a:lumMod val="10000"/>
+                            </a:schemeClr>
+                          </a:solidFill>
+                        </a:rPr>
+                        <a:t>one-hot</a:t>
+                      </a:r>
+                      <a:r>
+                        <a:rPr kumimoji="1" lang="ja-JP" altLang="en-US">
+                          <a:solidFill>
+                            <a:schemeClr val="bg1">
+                              <a:lumMod val="10000"/>
+                            </a:schemeClr>
+                          </a:solidFill>
+                        </a:rPr>
+                        <a:t>表現</a:t>
+                      </a:r>
+                      <a:endParaRPr kumimoji="1" lang="en-US" altLang="ja-JP" dirty="0">
+                        <a:solidFill>
+                          <a:schemeClr val="bg1">
+                            <a:lumMod val="10000"/>
+                          </a:schemeClr>
+                        </a:solidFill>
+                      </a:endParaRPr>
+                    </a:p>
+                  </a:txBody>
+                  <a:tcPr>
+                    <a:lnL w="12700" cap="flat" cmpd="sng" algn="ctr">
+                      <a:solidFill>
+                        <a:schemeClr val="tx1"/>
+                      </a:solidFill>
+                      <a:prstDash val="solid"/>
+                      <a:round/>
+                      <a:headEnd type="none" w="med" len="med"/>
+                      <a:tailEnd type="none" w="med" len="med"/>
+                    </a:lnL>
+                    <a:lnR w="12700" cap="flat" cmpd="sng" algn="ctr">
+                      <a:solidFill>
+                        <a:schemeClr val="tx1"/>
+                      </a:solidFill>
+                      <a:prstDash val="solid"/>
+                      <a:round/>
+                      <a:headEnd type="none" w="med" len="med"/>
+                      <a:tailEnd type="none" w="med" len="med"/>
+                    </a:lnR>
+                    <a:lnT w="12700" cap="flat" cmpd="sng" algn="ctr">
+                      <a:solidFill>
+                        <a:schemeClr val="tx1"/>
+                      </a:solidFill>
+                      <a:prstDash val="solid"/>
+                      <a:round/>
+                      <a:headEnd type="none" w="med" len="med"/>
+                      <a:tailEnd type="none" w="med" len="med"/>
+                    </a:lnT>
+                    <a:lnB w="12700" cap="flat" cmpd="sng" algn="ctr">
+                      <a:solidFill>
+                        <a:schemeClr val="tx1"/>
+                      </a:solidFill>
+                      <a:prstDash val="solid"/>
+                      <a:round/>
+                      <a:headEnd type="none" w="med" len="med"/>
+                      <a:tailEnd type="none" w="med" len="med"/>
+                    </a:lnB>
+                    <a:solidFill>
+                      <a:schemeClr val="bg1"/>
+                    </a:solidFill>
+                  </a:tcPr>
+                </a:tc>
+                <a:extLst>
+                  <a:ext uri="{0D108BD9-81ED-4DB2-BD59-A6C34878D82A}">
+                    <a16:rowId xmlns:a16="http://schemas.microsoft.com/office/drawing/2014/main" val="1204756928"/>
+                  </a:ext>
+                </a:extLst>
+              </a:tr>
+              <a:tr h="1352371">
+                <a:tc>
+                  <a:txBody>
+                    <a:bodyPr/>
+                    <a:lstStyle/>
+                    <a:p>
+                      <a:endParaRPr kumimoji="1" lang="ja-JP" altLang="en-US"/>
+                    </a:p>
+                  </a:txBody>
+                  <a:tcPr>
+                    <a:lnL w="12700" cap="flat" cmpd="sng" algn="ctr">
+                      <a:solidFill>
+                        <a:schemeClr val="tx1"/>
+                      </a:solidFill>
+                      <a:prstDash val="solid"/>
+                      <a:round/>
+                      <a:headEnd type="none" w="med" len="med"/>
+                      <a:tailEnd type="none" w="med" len="med"/>
+                    </a:lnL>
+                    <a:lnR w="12700" cap="flat" cmpd="sng" algn="ctr">
+                      <a:solidFill>
+                        <a:schemeClr val="tx1"/>
+                      </a:solidFill>
+                      <a:prstDash val="solid"/>
+                      <a:round/>
+                      <a:headEnd type="none" w="med" len="med"/>
+                      <a:tailEnd type="none" w="med" len="med"/>
+                    </a:lnR>
+                    <a:lnT w="12700" cap="flat" cmpd="sng" algn="ctr">
+                      <a:solidFill>
+                        <a:schemeClr val="tx1"/>
+                      </a:solidFill>
+                      <a:prstDash val="solid"/>
+                      <a:round/>
+                      <a:headEnd type="none" w="med" len="med"/>
+                      <a:tailEnd type="none" w="med" len="med"/>
+                    </a:lnT>
+                    <a:lnB w="12700" cap="flat" cmpd="sng" algn="ctr">
+                      <a:solidFill>
+                        <a:schemeClr val="tx1"/>
+                      </a:solidFill>
+                      <a:prstDash val="solid"/>
+                      <a:round/>
+                      <a:headEnd type="none" w="med" len="med"/>
+                      <a:tailEnd type="none" w="med" len="med"/>
+                    </a:lnB>
+                    <a:solidFill>
+                      <a:schemeClr val="bg1"/>
+                    </a:solidFill>
+                  </a:tcPr>
+                </a:tc>
+                <a:tc>
+                  <a:txBody>
+                    <a:bodyPr/>
+                    <a:lstStyle/>
+                    <a:p>
+                      <a:endParaRPr kumimoji="1" lang="ja-JP" altLang="en-US"/>
+                    </a:p>
+                  </a:txBody>
+                  <a:tcPr>
+                    <a:lnL w="12700" cap="flat" cmpd="sng" algn="ctr">
+                      <a:solidFill>
+                        <a:schemeClr val="tx1"/>
+                      </a:solidFill>
+                      <a:prstDash val="solid"/>
+                      <a:round/>
+                      <a:headEnd type="none" w="med" len="med"/>
+                      <a:tailEnd type="none" w="med" len="med"/>
+                    </a:lnL>
+                    <a:lnR w="12700" cap="flat" cmpd="sng" algn="ctr">
+                      <a:solidFill>
+                        <a:schemeClr val="tx1"/>
+                      </a:solidFill>
+                      <a:prstDash val="solid"/>
+                      <a:round/>
+                      <a:headEnd type="none" w="med" len="med"/>
+                      <a:tailEnd type="none" w="med" len="med"/>
+                    </a:lnR>
+                    <a:lnT w="12700" cap="flat" cmpd="sng" algn="ctr">
+                      <a:solidFill>
+                        <a:schemeClr val="tx1"/>
+                      </a:solidFill>
+                      <a:prstDash val="solid"/>
+                      <a:round/>
+                      <a:headEnd type="none" w="med" len="med"/>
+                      <a:tailEnd type="none" w="med" len="med"/>
+                    </a:lnT>
+                    <a:lnB w="12700" cap="flat" cmpd="sng" algn="ctr">
+                      <a:solidFill>
+                        <a:schemeClr val="tx1"/>
+                      </a:solidFill>
+                      <a:prstDash val="solid"/>
+                      <a:round/>
+                      <a:headEnd type="none" w="med" len="med"/>
+                      <a:tailEnd type="none" w="med" len="med"/>
+                    </a:lnB>
+                    <a:solidFill>
+                      <a:schemeClr val="bg1"/>
+                    </a:solidFill>
+                  </a:tcPr>
+                </a:tc>
+                <a:tc>
+                  <a:txBody>
+                    <a:bodyPr/>
+                    <a:lstStyle/>
+                    <a:p>
+                      <a:endParaRPr kumimoji="1" lang="ja-JP" altLang="en-US"/>
+                    </a:p>
+                  </a:txBody>
+                  <a:tcPr>
+                    <a:lnL w="12700" cap="flat" cmpd="sng" algn="ctr">
+                      <a:solidFill>
+                        <a:schemeClr val="tx1"/>
+                      </a:solidFill>
+                      <a:prstDash val="solid"/>
+                      <a:round/>
+                      <a:headEnd type="none" w="med" len="med"/>
+                      <a:tailEnd type="none" w="med" len="med"/>
+                    </a:lnL>
+                    <a:lnR w="12700" cap="flat" cmpd="sng" algn="ctr">
+                      <a:solidFill>
+                        <a:schemeClr val="tx1"/>
+                      </a:solidFill>
+                      <a:prstDash val="solid"/>
+                      <a:round/>
+                      <a:headEnd type="none" w="med" len="med"/>
+                      <a:tailEnd type="none" w="med" len="med"/>
+                    </a:lnR>
+                    <a:lnT w="12700" cap="flat" cmpd="sng" algn="ctr">
+                      <a:solidFill>
+                        <a:schemeClr val="tx1"/>
+                      </a:solidFill>
+                      <a:prstDash val="solid"/>
+                      <a:round/>
+                      <a:headEnd type="none" w="med" len="med"/>
+                      <a:tailEnd type="none" w="med" len="med"/>
+                    </a:lnT>
+                    <a:lnB w="12700" cap="flat" cmpd="sng" algn="ctr">
+                      <a:solidFill>
+                        <a:schemeClr val="tx1"/>
+                      </a:solidFill>
+                      <a:prstDash val="solid"/>
+                      <a:round/>
+                      <a:headEnd type="none" w="med" len="med"/>
+                      <a:tailEnd type="none" w="med" len="med"/>
+                    </a:lnB>
+                    <a:solidFill>
+                      <a:schemeClr val="bg1"/>
+                    </a:solidFill>
+                  </a:tcPr>
+                </a:tc>
+                <a:extLst>
+                  <a:ext uri="{0D108BD9-81ED-4DB2-BD59-A6C34878D82A}">
+                    <a16:rowId xmlns:a16="http://schemas.microsoft.com/office/drawing/2014/main" val="4016402387"/>
+                  </a:ext>
+                </a:extLst>
+              </a:tr>
+            </a:tbl>
+          </a:graphicData>
+        </a:graphic>
+      </p:graphicFrame>
+      <p:sp>
+        <p:nvSpPr>
+          <p:cNvPr id="3" name="大かっこ 2">
+            <a:extLst>
+              <a:ext uri="{FF2B5EF4-FFF2-40B4-BE49-F238E27FC236}">
+                <a16:creationId xmlns:a16="http://schemas.microsoft.com/office/drawing/2014/main" id="{8001D27E-C213-246D-89D2-1EC618A0F059}"/>
+              </a:ext>
+            </a:extLst>
+          </p:cNvPr>
+          <p:cNvSpPr/>
+          <p:nvPr/>
+        </p:nvSpPr>
+        <p:spPr>
+          <a:xfrm>
+            <a:off x="2295212" y="3650064"/>
+            <a:ext cx="1929283" cy="680776"/>
+          </a:xfrm>
+          <a:prstGeom prst="bracketPair">
+            <a:avLst/>
+          </a:prstGeom>
+          <a:ln w="19050">
+            <a:solidFill>
+              <a:schemeClr val="bg1">
+                <a:lumMod val="10000"/>
+              </a:schemeClr>
+            </a:solidFill>
+          </a:ln>
+        </p:spPr>
+        <p:style>
+          <a:lnRef idx="1">
+            <a:schemeClr val="accent1"/>
+          </a:lnRef>
+          <a:fillRef idx="0">
+            <a:schemeClr val="accent1"/>
+          </a:fillRef>
+          <a:effectRef idx="0">
+            <a:schemeClr val="accent1"/>
+          </a:effectRef>
+          <a:fontRef idx="minor">
+            <a:schemeClr val="tx1"/>
+          </a:fontRef>
+        </p:style>
+        <p:txBody>
+          <a:bodyPr rtlCol="0" anchor="ctr"/>
+          <a:lstStyle/>
+          <a:p>
+            <a:pPr algn="ctr"/>
+            <a:endParaRPr kumimoji="1" lang="ja-JP" altLang="en-US">
+              <a:solidFill>
+                <a:schemeClr val="bg1">
+                  <a:lumMod val="10000"/>
+                </a:schemeClr>
+              </a:solidFill>
+            </a:endParaRPr>
+          </a:p>
+        </p:txBody>
+      </p:sp>
+      <p:sp>
+        <p:nvSpPr>
+          <p:cNvPr id="15" name="テキスト ボックス 14">
+            <a:extLst>
+              <a:ext uri="{FF2B5EF4-FFF2-40B4-BE49-F238E27FC236}">
+                <a16:creationId xmlns:a16="http://schemas.microsoft.com/office/drawing/2014/main" id="{377A409B-AA5D-F05D-CB68-86F46F669839}"/>
+              </a:ext>
+            </a:extLst>
+          </p:cNvPr>
+          <p:cNvSpPr txBox="1"/>
+          <p:nvPr/>
+        </p:nvSpPr>
+        <p:spPr>
+          <a:xfrm>
+            <a:off x="2477755" y="3639653"/>
+            <a:ext cx="1627833" cy="646331"/>
+          </a:xfrm>
+          <a:prstGeom prst="rect">
+            <a:avLst/>
+          </a:prstGeom>
+          <a:noFill/>
+        </p:spPr>
+        <p:txBody>
+          <a:bodyPr wrap="square" rtlCol="0">
+            <a:spAutoFit/>
+          </a:bodyPr>
+          <a:lstStyle/>
+          <a:p>
+            <a:pPr algn="ctr"/>
+            <a:r>
+              <a:rPr lang="en-US" altLang="ja-JP" dirty="0"/>
+              <a:t>y</a:t>
+            </a:r>
+            <a:r>
+              <a:rPr kumimoji="1" lang="en-US" altLang="ja-JP" dirty="0"/>
+              <a:t>ou</a:t>
+            </a:r>
+          </a:p>
+          <a:p>
+            <a:pPr algn="ctr"/>
+            <a:r>
+              <a:rPr lang="en-US" altLang="ja-JP" dirty="0"/>
+              <a:t>goodbye</a:t>
+            </a:r>
+            <a:endParaRPr kumimoji="1" lang="ja-JP" altLang="en-US"/>
+          </a:p>
+        </p:txBody>
+      </p:sp>
+      <p:sp>
+        <p:nvSpPr>
+          <p:cNvPr id="31" name="大かっこ 30">
+            <a:extLst>
+              <a:ext uri="{FF2B5EF4-FFF2-40B4-BE49-F238E27FC236}">
+                <a16:creationId xmlns:a16="http://schemas.microsoft.com/office/drawing/2014/main" id="{2F5527BF-2096-C54A-FA7B-95AF7C3B2520}"/>
+              </a:ext>
+            </a:extLst>
+          </p:cNvPr>
+          <p:cNvSpPr/>
+          <p:nvPr/>
+        </p:nvSpPr>
+        <p:spPr>
+          <a:xfrm>
+            <a:off x="4884613" y="3650064"/>
+            <a:ext cx="849088" cy="680776"/>
+          </a:xfrm>
+          <a:prstGeom prst="bracketPair">
+            <a:avLst/>
+          </a:prstGeom>
+          <a:ln w="19050">
+            <a:solidFill>
+              <a:schemeClr val="bg1">
+                <a:lumMod val="10000"/>
+              </a:schemeClr>
+            </a:solidFill>
+          </a:ln>
+        </p:spPr>
+        <p:style>
+          <a:lnRef idx="1">
+            <a:schemeClr val="accent1"/>
+          </a:lnRef>
+          <a:fillRef idx="0">
+            <a:schemeClr val="accent1"/>
+          </a:fillRef>
+          <a:effectRef idx="0">
+            <a:schemeClr val="accent1"/>
+          </a:effectRef>
+          <a:fontRef idx="minor">
+            <a:schemeClr val="tx1"/>
+          </a:fontRef>
+        </p:style>
+        <p:txBody>
+          <a:bodyPr rtlCol="0" anchor="ctr"/>
+          <a:lstStyle/>
+          <a:p>
+            <a:pPr algn="ctr"/>
+            <a:endParaRPr kumimoji="1" lang="ja-JP" altLang="en-US">
+              <a:solidFill>
+                <a:schemeClr val="bg1">
+                  <a:lumMod val="10000"/>
+                </a:schemeClr>
+              </a:solidFill>
+            </a:endParaRPr>
+          </a:p>
+        </p:txBody>
+      </p:sp>
+      <p:sp>
+        <p:nvSpPr>
+          <p:cNvPr id="34" name="テキスト ボックス 33">
+            <a:extLst>
+              <a:ext uri="{FF2B5EF4-FFF2-40B4-BE49-F238E27FC236}">
+                <a16:creationId xmlns:a16="http://schemas.microsoft.com/office/drawing/2014/main" id="{C8A71A49-0090-F9BD-5DB9-00712632F611}"/>
+              </a:ext>
+            </a:extLst>
+          </p:cNvPr>
+          <p:cNvSpPr txBox="1"/>
+          <p:nvPr/>
+        </p:nvSpPr>
+        <p:spPr>
+          <a:xfrm>
+            <a:off x="5053760" y="3667286"/>
+            <a:ext cx="510793" cy="646331"/>
+          </a:xfrm>
+          <a:prstGeom prst="rect">
+            <a:avLst/>
+          </a:prstGeom>
+          <a:noFill/>
+        </p:spPr>
+        <p:txBody>
+          <a:bodyPr wrap="square" rtlCol="0">
+            <a:spAutoFit/>
+          </a:bodyPr>
+          <a:lstStyle/>
+          <a:p>
+            <a:pPr algn="ctr"/>
+            <a:r>
+              <a:rPr lang="en-US" altLang="ja-JP" dirty="0"/>
+              <a:t>0</a:t>
+            </a:r>
+            <a:endParaRPr kumimoji="1" lang="en-US" altLang="ja-JP" dirty="0"/>
+          </a:p>
+          <a:p>
+            <a:pPr algn="ctr"/>
+            <a:r>
+              <a:rPr lang="en-US" altLang="ja-JP" dirty="0"/>
+              <a:t>2</a:t>
+            </a:r>
+            <a:endParaRPr kumimoji="1" lang="ja-JP" altLang="en-US"/>
+          </a:p>
+        </p:txBody>
+      </p:sp>
+      <p:sp>
+        <p:nvSpPr>
+          <p:cNvPr id="35" name="大かっこ 34">
+            <a:extLst>
+              <a:ext uri="{FF2B5EF4-FFF2-40B4-BE49-F238E27FC236}">
+                <a16:creationId xmlns:a16="http://schemas.microsoft.com/office/drawing/2014/main" id="{D0B83CC5-C9AE-8ACE-7B86-72D742E049C1}"/>
+              </a:ext>
+            </a:extLst>
+          </p:cNvPr>
+          <p:cNvSpPr/>
+          <p:nvPr/>
+        </p:nvSpPr>
+        <p:spPr>
+          <a:xfrm>
+            <a:off x="6695004" y="3650064"/>
+            <a:ext cx="2148112" cy="680776"/>
+          </a:xfrm>
+          <a:prstGeom prst="bracketPair">
+            <a:avLst/>
+          </a:prstGeom>
+          <a:ln w="19050">
+            <a:solidFill>
+              <a:schemeClr val="bg1">
+                <a:lumMod val="10000"/>
+              </a:schemeClr>
+            </a:solidFill>
+          </a:ln>
+        </p:spPr>
+        <p:style>
+          <a:lnRef idx="1">
+            <a:schemeClr val="accent1"/>
+          </a:lnRef>
+          <a:fillRef idx="0">
+            <a:schemeClr val="accent1"/>
+          </a:fillRef>
+          <a:effectRef idx="0">
+            <a:schemeClr val="accent1"/>
+          </a:effectRef>
+          <a:fontRef idx="minor">
+            <a:schemeClr val="tx1"/>
+          </a:fontRef>
+        </p:style>
+        <p:txBody>
+          <a:bodyPr rtlCol="0" anchor="ctr"/>
+          <a:lstStyle/>
+          <a:p>
+            <a:pPr algn="ctr"/>
+            <a:endParaRPr kumimoji="1" lang="ja-JP" altLang="en-US">
+              <a:solidFill>
+                <a:schemeClr val="bg1">
+                  <a:lumMod val="10000"/>
+                </a:schemeClr>
+              </a:solidFill>
+            </a:endParaRPr>
+          </a:p>
+        </p:txBody>
+      </p:sp>
+      <p:sp>
+        <p:nvSpPr>
+          <p:cNvPr id="38" name="テキスト ボックス 37">
+            <a:extLst>
+              <a:ext uri="{FF2B5EF4-FFF2-40B4-BE49-F238E27FC236}">
+                <a16:creationId xmlns:a16="http://schemas.microsoft.com/office/drawing/2014/main" id="{FB5DDA25-A56E-DD46-5253-C3B801D9A5CB}"/>
+              </a:ext>
+            </a:extLst>
+          </p:cNvPr>
+          <p:cNvSpPr txBox="1"/>
+          <p:nvPr/>
+        </p:nvSpPr>
+        <p:spPr>
+          <a:xfrm>
+            <a:off x="6752781" y="3664050"/>
+            <a:ext cx="2032558" cy="646331"/>
+          </a:xfrm>
+          <a:prstGeom prst="rect">
+            <a:avLst/>
+          </a:prstGeom>
+          <a:noFill/>
+        </p:spPr>
+        <p:txBody>
+          <a:bodyPr wrap="square" rtlCol="0">
+            <a:spAutoFit/>
+          </a:bodyPr>
+          <a:lstStyle/>
+          <a:p>
+            <a:pPr algn="ctr"/>
+            <a:r>
+              <a:rPr lang="en-US" altLang="ja-JP" dirty="0"/>
+              <a:t>(</a:t>
+            </a:r>
+            <a:r>
+              <a:rPr lang="en-US" altLang="ja-JP" b="1" dirty="0"/>
+              <a:t>1</a:t>
+            </a:r>
+            <a:r>
+              <a:rPr lang="en-US" altLang="ja-JP" dirty="0"/>
+              <a:t>, 0, 0, 0, 0, 0, 0)</a:t>
+            </a:r>
+            <a:endParaRPr kumimoji="1" lang="en-US" altLang="ja-JP" dirty="0"/>
+          </a:p>
+          <a:p>
+            <a:pPr algn="ctr"/>
+            <a:r>
+              <a:rPr lang="en-US" altLang="ja-JP" dirty="0"/>
+              <a:t>(0, 0, </a:t>
+            </a:r>
+            <a:r>
+              <a:rPr lang="en-US" altLang="ja-JP" b="1" dirty="0"/>
+              <a:t>1</a:t>
+            </a:r>
+            <a:r>
+              <a:rPr lang="en-US" altLang="ja-JP" dirty="0"/>
+              <a:t>, 0, 0, 0, 0)</a:t>
+            </a:r>
+          </a:p>
+        </p:txBody>
+      </p:sp>
+    </p:spTree>
+    <p:extLst>
+      <p:ext uri="{BB962C8B-B14F-4D97-AF65-F5344CB8AC3E}">
+        <p14:creationId xmlns:p14="http://schemas.microsoft.com/office/powerpoint/2010/main" val="531838145"/>
+      </p:ext>
+    </p:extLst>
+  </p:cSld>
+  <p:clrMapOvr>
+    <a:masterClrMapping/>
+  </p:clrMapOvr>
+</p:sld>
+</file>
+
 <file path=ppt/slides/slide2.xml><?xml version="1.0" encoding="utf-8"?>
 <p:sld xmlns:a="http://schemas.openxmlformats.org/drawingml/2006/main" xmlns:r="http://schemas.openxmlformats.org/officeDocument/2006/relationships" xmlns:p="http://schemas.openxmlformats.org/presentationml/2006/main">
   <p:cSld>
@@ -6669,8 +9431,8 @@
           </a:ln>
         </p:spPr>
       </p:cxnSp>
-      <mc:AlternateContent xmlns:mc="http://schemas.openxmlformats.org/markup-compatibility/2006">
-        <mc:Choice xmlns:a14="http://schemas.microsoft.com/office/drawing/2010/main" Requires="a14">
+      <mc:AlternateContent xmlns:mc="http://schemas.openxmlformats.org/markup-compatibility/2006" xmlns:a14="http://schemas.microsoft.com/office/drawing/2010/main">
+        <mc:Choice Requires="a14">
           <p:sp>
             <p:nvSpPr>
               <p:cNvPr id="28" name="テキスト ボックス 27">
@@ -6748,7 +9510,7 @@
             </p:txBody>
           </p:sp>
         </mc:Choice>
-        <mc:Fallback>
+        <mc:Fallback xmlns="">
           <p:sp>
             <p:nvSpPr>
               <p:cNvPr id="28" name="テキスト ボックス 27">
@@ -13621,8 +16383,8 @@
           </a:p>
         </p:txBody>
       </p:sp>
-      <mc:AlternateContent xmlns:mc="http://schemas.openxmlformats.org/markup-compatibility/2006">
-        <mc:Choice xmlns:a14="http://schemas.microsoft.com/office/drawing/2010/main" Requires="a14">
+      <mc:AlternateContent xmlns:mc="http://schemas.openxmlformats.org/markup-compatibility/2006" xmlns:a14="http://schemas.microsoft.com/office/drawing/2010/main">
+        <mc:Choice Requires="a14">
           <p:sp>
             <p:nvSpPr>
               <p:cNvPr id="3" name="テキスト ボックス 2">
@@ -13651,6 +16413,7 @@
               </a:bodyPr>
               <a:lstStyle/>
               <a:p>
+                <a:pPr/>
                 <a14:m>
                   <m:oMathPara xmlns:m="http://schemas.openxmlformats.org/officeDocument/2006/math">
                     <m:oMathParaPr>
@@ -13953,7 +16716,7 @@
             </p:txBody>
           </p:sp>
         </mc:Choice>
-        <mc:Fallback>
+        <mc:Fallback xmlns="">
           <p:sp>
             <p:nvSpPr>
               <p:cNvPr id="3" name="テキスト ボックス 2">
@@ -22925,18 +25688,18 @@
 </file>
 
 <file path=customXml/item1.xml><?xml version="1.0" encoding="utf-8"?>
-<p:properties xmlns:p="http://schemas.microsoft.com/office/2006/metadata/properties" xmlns:xsi="http://www.w3.org/2001/XMLSchema-instance" xmlns:pc="http://schemas.microsoft.com/office/infopath/2007/PartnerControls">
-  <documentManagement/>
-</p:properties>
-</file>
-
-<file path=customXml/item2.xml><?xml version="1.0" encoding="utf-8"?>
 <?mso-contentType ?>
 <FormTemplates xmlns="http://schemas.microsoft.com/sharepoint/v3/contenttype/forms">
   <Display>DocumentLibraryForm</Display>
   <Edit>DocumentLibraryForm</Edit>
   <New>DocumentLibraryForm</New>
 </FormTemplates>
+</file>
+
+<file path=customXml/item2.xml><?xml version="1.0" encoding="utf-8"?>
+<p:properties xmlns:p="http://schemas.microsoft.com/office/2006/metadata/properties" xmlns:xsi="http://www.w3.org/2001/XMLSchema-instance" xmlns:pc="http://schemas.microsoft.com/office/infopath/2007/PartnerControls">
+  <documentManagement/>
+</p:properties>
 </file>
 
 <file path=customXml/item3.xml><?xml version="1.0" encoding="utf-8"?>
@@ -23054,6 +25817,14 @@
 </file>
 
 <file path=customXml/itemProps1.xml><?xml version="1.0" encoding="utf-8"?>
+<ds:datastoreItem xmlns:ds="http://schemas.openxmlformats.org/officeDocument/2006/customXml" ds:itemID="{0EFD21F3-24CC-4605-A5CE-D678D2531AFB}">
+  <ds:schemaRefs>
+    <ds:schemaRef ds:uri="http://schemas.microsoft.com/sharepoint/v3/contenttype/forms"/>
+  </ds:schemaRefs>
+</ds:datastoreItem>
+</file>
+
+<file path=customXml/itemProps2.xml><?xml version="1.0" encoding="utf-8"?>
 <ds:datastoreItem xmlns:ds="http://schemas.openxmlformats.org/officeDocument/2006/customXml" ds:itemID="{2B33ED81-A378-482E-B710-0D21A32023B2}">
   <ds:schemaRefs>
     <ds:schemaRef ds:uri="http://schemas.microsoft.com/office/infopath/2007/PartnerControls"/>
@@ -23064,14 +25835,6 @@
     <ds:schemaRef ds:uri="http://purl.org/dc/dcmitype/"/>
     <ds:schemaRef ds:uri="http://purl.org/dc/elements/1.1/"/>
     <ds:schemaRef ds:uri="http://purl.org/dc/terms/"/>
-  </ds:schemaRefs>
-</ds:datastoreItem>
-</file>
-
-<file path=customXml/itemProps2.xml><?xml version="1.0" encoding="utf-8"?>
-<ds:datastoreItem xmlns:ds="http://schemas.openxmlformats.org/officeDocument/2006/customXml" ds:itemID="{0EFD21F3-24CC-4605-A5CE-D678D2531AFB}">
-  <ds:schemaRefs>
-    <ds:schemaRef ds:uri="http://schemas.microsoft.com/sharepoint/v3/contenttype/forms"/>
   </ds:schemaRefs>
 </ds:datastoreItem>
 </file>
